--- a/theory/figures/n_propane_figures_v3.pptx
+++ b/theory/figures/n_propane_figures_v3.pptx
@@ -16946,7 +16946,7 @@
       </p:sp>
       <p:grpSp>
         <p:nvGrpSpPr>
-          <p:cNvPr id="61" name="Group 60"/>
+          <p:cNvPr id="693" name="Group 692"/>
           <p:cNvGrpSpPr/>
           <p:nvPr/>
         </p:nvGrpSpPr>
@@ -16960,7 +16960,7 @@
         </p:grpSpPr>
         <p:grpSp>
           <p:nvGrpSpPr>
-            <p:cNvPr id="4" name="Group 3"/>
+            <p:cNvPr id="61" name="Group 60"/>
             <p:cNvGrpSpPr/>
             <p:nvPr/>
           </p:nvGrpSpPr>
@@ -16972,783 +16972,2467 @@
               <a:chExt cx="8841997" cy="5687737"/>
             </a:xfrm>
           </p:grpSpPr>
-          <p:sp>
-            <p:nvSpPr>
-              <p:cNvPr id="3" name="Rectangle 2"/>
-              <p:cNvSpPr/>
+          <p:grpSp>
+            <p:nvGrpSpPr>
+              <p:cNvPr id="4" name="Group 3"/>
+              <p:cNvGrpSpPr/>
               <p:nvPr/>
-            </p:nvSpPr>
-            <p:spPr>
+            </p:nvGrpSpPr>
+            <p:grpSpPr>
               <a:xfrm>
                 <a:off x="1233181" y="637562"/>
                 <a:ext cx="8841997" cy="5687737"/>
+                <a:chOff x="1233181" y="637562"/>
+                <a:chExt cx="8841997" cy="5687737"/>
+              </a:xfrm>
+            </p:grpSpPr>
+            <p:sp>
+              <p:nvSpPr>
+                <p:cNvPr id="3" name="Rectangle 2"/>
+                <p:cNvSpPr/>
+                <p:nvPr/>
+              </p:nvSpPr>
+              <p:spPr>
+                <a:xfrm>
+                  <a:off x="1233181" y="637562"/>
+                  <a:ext cx="8841997" cy="5687737"/>
+                </a:xfrm>
+                <a:prstGeom prst="rect">
+                  <a:avLst/>
+                </a:prstGeom>
+                <a:solidFill>
+                  <a:schemeClr val="bg1"/>
+                </a:solidFill>
+                <a:ln>
+                  <a:solidFill>
+                    <a:srgbClr val="00B050"/>
+                  </a:solidFill>
+                </a:ln>
+              </p:spPr>
+              <p:style>
+                <a:lnRef idx="2">
+                  <a:schemeClr val="accent1">
+                    <a:shade val="50000"/>
+                  </a:schemeClr>
+                </a:lnRef>
+                <a:fillRef idx="1">
+                  <a:schemeClr val="accent1"/>
+                </a:fillRef>
+                <a:effectRef idx="0">
+                  <a:schemeClr val="accent1"/>
+                </a:effectRef>
+                <a:fontRef idx="minor">
+                  <a:schemeClr val="lt1"/>
+                </a:fontRef>
+              </p:style>
+              <p:txBody>
+                <a:bodyPr rtlCol="0" anchor="ctr"/>
+                <a:lstStyle/>
+                <a:p>
+                  <a:pPr algn="ctr"/>
+                  <a:endParaRPr lang="en-US"/>
+                </a:p>
+              </p:txBody>
+            </p:sp>
+            <p:sp>
+              <p:nvSpPr>
+                <p:cNvPr id="16" name="Rounded Rectangle 15"/>
+                <p:cNvSpPr/>
+                <p:nvPr/>
+              </p:nvSpPr>
+              <p:spPr>
+                <a:xfrm>
+                  <a:off x="3396273" y="3143063"/>
+                  <a:ext cx="600075" cy="395133"/>
+                </a:xfrm>
+                <a:prstGeom prst="roundRect">
+                  <a:avLst/>
+                </a:prstGeom>
+              </p:spPr>
+              <p:style>
+                <a:lnRef idx="2">
+                  <a:schemeClr val="accent1">
+                    <a:shade val="50000"/>
+                  </a:schemeClr>
+                </a:lnRef>
+                <a:fillRef idx="1">
+                  <a:schemeClr val="accent1"/>
+                </a:fillRef>
+                <a:effectRef idx="0">
+                  <a:schemeClr val="accent1"/>
+                </a:effectRef>
+                <a:fontRef idx="minor">
+                  <a:schemeClr val="lt1"/>
+                </a:fontRef>
+              </p:style>
+              <p:txBody>
+                <a:bodyPr rtlCol="0" anchor="ctr"/>
+                <a:lstStyle/>
+                <a:p>
+                  <a:pPr algn="ctr"/>
+                  <a:r>
+                    <a:rPr lang="en-US" sz="1000" dirty="0" smtClean="0"/>
+                    <a:t>prod_1</a:t>
+                  </a:r>
+                  <a:endParaRPr lang="en-US" sz="1000" dirty="0"/>
+                </a:p>
+              </p:txBody>
+            </p:sp>
+            <p:sp>
+              <p:nvSpPr>
+                <p:cNvPr id="17" name="Rounded Rectangle 16"/>
+                <p:cNvSpPr/>
+                <p:nvPr/>
+              </p:nvSpPr>
+              <p:spPr>
+                <a:xfrm>
+                  <a:off x="2177801" y="3143037"/>
+                  <a:ext cx="600075" cy="395133"/>
+                </a:xfrm>
+                <a:prstGeom prst="roundRect">
+                  <a:avLst/>
+                </a:prstGeom>
+              </p:spPr>
+              <p:style>
+                <a:lnRef idx="2">
+                  <a:schemeClr val="accent1">
+                    <a:shade val="50000"/>
+                  </a:schemeClr>
+                </a:lnRef>
+                <a:fillRef idx="1">
+                  <a:schemeClr val="accent1"/>
+                </a:fillRef>
+                <a:effectRef idx="0">
+                  <a:schemeClr val="accent1"/>
+                </a:effectRef>
+                <a:fontRef idx="minor">
+                  <a:schemeClr val="lt1"/>
+                </a:fontRef>
+              </p:style>
+              <p:txBody>
+                <a:bodyPr rtlCol="0" anchor="ctr"/>
+                <a:lstStyle/>
+                <a:p>
+                  <a:pPr algn="ctr"/>
+                  <a:r>
+                    <a:rPr lang="en-US" sz="1000" dirty="0" smtClean="0"/>
+                    <a:t>frag_1</a:t>
+                  </a:r>
+                  <a:endParaRPr lang="en-US" sz="1000" dirty="0"/>
+                </a:p>
+              </p:txBody>
+            </p:sp>
+            <p:sp>
+              <p:nvSpPr>
+                <p:cNvPr id="18" name="Rounded Rectangle 17"/>
+                <p:cNvSpPr/>
+                <p:nvPr/>
+              </p:nvSpPr>
+              <p:spPr>
+                <a:xfrm>
+                  <a:off x="1577876" y="2272176"/>
+                  <a:ext cx="600075" cy="395133"/>
+                </a:xfrm>
+                <a:prstGeom prst="roundRect">
+                  <a:avLst/>
+                </a:prstGeom>
+              </p:spPr>
+              <p:style>
+                <a:lnRef idx="2">
+                  <a:schemeClr val="accent1">
+                    <a:shade val="50000"/>
+                  </a:schemeClr>
+                </a:lnRef>
+                <a:fillRef idx="1">
+                  <a:schemeClr val="accent1"/>
+                </a:fillRef>
+                <a:effectRef idx="0">
+                  <a:schemeClr val="accent1"/>
+                </a:effectRef>
+                <a:fontRef idx="minor">
+                  <a:schemeClr val="lt1"/>
+                </a:fontRef>
+              </p:style>
+              <p:txBody>
+                <a:bodyPr rtlCol="0" anchor="ctr"/>
+                <a:lstStyle/>
+                <a:p>
+                  <a:pPr algn="ctr"/>
+                  <a:r>
+                    <a:rPr lang="en-US" sz="1000" dirty="0" err="1" smtClean="0"/>
+                    <a:t>vinoxy</a:t>
+                  </a:r>
+                  <a:endParaRPr lang="en-US" sz="1000" dirty="0"/>
+                </a:p>
+              </p:txBody>
+            </p:sp>
+            <p:sp>
+              <p:nvSpPr>
+                <p:cNvPr id="19" name="Rounded Rectangle 18"/>
+                <p:cNvSpPr/>
+                <p:nvPr/>
+              </p:nvSpPr>
+              <p:spPr>
+                <a:xfrm>
+                  <a:off x="1577876" y="4879340"/>
+                  <a:ext cx="600075" cy="395133"/>
+                </a:xfrm>
+                <a:prstGeom prst="roundRect">
+                  <a:avLst/>
+                </a:prstGeom>
+              </p:spPr>
+              <p:style>
+                <a:lnRef idx="2">
+                  <a:schemeClr val="accent1">
+                    <a:shade val="50000"/>
+                  </a:schemeClr>
+                </a:lnRef>
+                <a:fillRef idx="1">
+                  <a:schemeClr val="accent1"/>
+                </a:fillRef>
+                <a:effectRef idx="0">
+                  <a:schemeClr val="accent1"/>
+                </a:effectRef>
+                <a:fontRef idx="minor">
+                  <a:schemeClr val="lt1"/>
+                </a:fontRef>
+              </p:style>
+              <p:txBody>
+                <a:bodyPr rtlCol="0" anchor="ctr"/>
+                <a:lstStyle/>
+                <a:p>
+                  <a:pPr algn="ctr"/>
+                  <a:r>
+                    <a:rPr lang="en-US" sz="1000" dirty="0" smtClean="0"/>
+                    <a:t>CH</a:t>
+                  </a:r>
+                  <a:r>
+                    <a:rPr lang="en-US" sz="1000" baseline="-25000" dirty="0" smtClean="0"/>
+                    <a:t>2</a:t>
+                  </a:r>
+                  <a:r>
+                    <a:rPr lang="en-US" sz="1000" dirty="0" smtClean="0"/>
+                    <a:t>O</a:t>
+                  </a:r>
+                  <a:endParaRPr lang="en-US" sz="1000" dirty="0"/>
+                </a:p>
+              </p:txBody>
+            </p:sp>
+            <p:sp>
+              <p:nvSpPr>
+                <p:cNvPr id="20" name="Rounded Rectangle 19"/>
+                <p:cNvSpPr/>
+                <p:nvPr/>
+              </p:nvSpPr>
+              <p:spPr>
+                <a:xfrm>
+                  <a:off x="1577877" y="778912"/>
+                  <a:ext cx="600075" cy="395133"/>
+                </a:xfrm>
+                <a:prstGeom prst="roundRect">
+                  <a:avLst/>
+                </a:prstGeom>
+              </p:spPr>
+              <p:style>
+                <a:lnRef idx="2">
+                  <a:schemeClr val="accent1">
+                    <a:shade val="50000"/>
+                  </a:schemeClr>
+                </a:lnRef>
+                <a:fillRef idx="1">
+                  <a:schemeClr val="accent1"/>
+                </a:fillRef>
+                <a:effectRef idx="0">
+                  <a:schemeClr val="accent1"/>
+                </a:effectRef>
+                <a:fontRef idx="minor">
+                  <a:schemeClr val="lt1"/>
+                </a:fontRef>
+              </p:style>
+              <p:txBody>
+                <a:bodyPr rtlCol="0" anchor="ctr"/>
+                <a:lstStyle/>
+                <a:p>
+                  <a:pPr algn="ctr"/>
+                  <a:r>
+                    <a:rPr lang="en-US" sz="1000" dirty="0" smtClean="0"/>
+                    <a:t>CO</a:t>
+                  </a:r>
+                  <a:endParaRPr lang="en-US" sz="1000" dirty="0"/>
+                </a:p>
+              </p:txBody>
+            </p:sp>
+            <p:sp>
+              <p:nvSpPr>
+                <p:cNvPr id="23" name="Rounded Rectangle 22"/>
+                <p:cNvSpPr/>
+                <p:nvPr/>
+              </p:nvSpPr>
+              <p:spPr>
+                <a:xfrm>
+                  <a:off x="8961889" y="4498646"/>
+                  <a:ext cx="600075" cy="395133"/>
+                </a:xfrm>
+                <a:prstGeom prst="roundRect">
+                  <a:avLst/>
+                </a:prstGeom>
+              </p:spPr>
+              <p:style>
+                <a:lnRef idx="2">
+                  <a:schemeClr val="accent1">
+                    <a:shade val="50000"/>
+                  </a:schemeClr>
+                </a:lnRef>
+                <a:fillRef idx="1">
+                  <a:schemeClr val="accent1"/>
+                </a:fillRef>
+                <a:effectRef idx="0">
+                  <a:schemeClr val="accent1"/>
+                </a:effectRef>
+                <a:fontRef idx="minor">
+                  <a:schemeClr val="lt1"/>
+                </a:fontRef>
+              </p:style>
+              <p:txBody>
+                <a:bodyPr rtlCol="0" anchor="ctr"/>
+                <a:lstStyle/>
+                <a:p>
+                  <a:pPr algn="ctr"/>
+                  <a:r>
+                    <a:rPr lang="en-US" sz="1000" dirty="0" err="1" smtClean="0"/>
+                    <a:t>ipropyl</a:t>
+                  </a:r>
+                  <a:endParaRPr lang="en-US" sz="1000" dirty="0"/>
+                </a:p>
+              </p:txBody>
+            </p:sp>
+            <p:sp>
+              <p:nvSpPr>
+                <p:cNvPr id="24" name="Rounded Rectangle 23"/>
+                <p:cNvSpPr/>
+                <p:nvPr/>
+              </p:nvSpPr>
+              <p:spPr>
+                <a:xfrm>
+                  <a:off x="5172690" y="5235626"/>
+                  <a:ext cx="600075" cy="395133"/>
+                </a:xfrm>
+                <a:prstGeom prst="roundRect">
+                  <a:avLst/>
+                </a:prstGeom>
+              </p:spPr>
+              <p:style>
+                <a:lnRef idx="2">
+                  <a:schemeClr val="accent1">
+                    <a:shade val="50000"/>
+                  </a:schemeClr>
+                </a:lnRef>
+                <a:fillRef idx="1">
+                  <a:schemeClr val="accent1"/>
+                </a:fillRef>
+                <a:effectRef idx="0">
+                  <a:schemeClr val="accent1"/>
+                </a:effectRef>
+                <a:fontRef idx="minor">
+                  <a:schemeClr val="lt1"/>
+                </a:fontRef>
+              </p:style>
+              <p:txBody>
+                <a:bodyPr rtlCol="0" anchor="ctr"/>
+                <a:lstStyle/>
+                <a:p>
+                  <a:pPr algn="ctr"/>
+                  <a:r>
+                    <a:rPr lang="en-US" sz="1000" dirty="0" smtClean="0"/>
+                    <a:t>C</a:t>
+                  </a:r>
+                  <a:r>
+                    <a:rPr lang="en-US" sz="1000" baseline="-25000" dirty="0" smtClean="0"/>
+                    <a:t>3</a:t>
+                  </a:r>
+                  <a:r>
+                    <a:rPr lang="en-US" sz="1000" dirty="0" smtClean="0"/>
+                    <a:t>H</a:t>
+                  </a:r>
+                  <a:r>
+                    <a:rPr lang="en-US" sz="1000" baseline="-25000" dirty="0" smtClean="0"/>
+                    <a:t>6</a:t>
+                  </a:r>
+                  <a:endParaRPr lang="en-US" sz="1000" baseline="-25000" dirty="0"/>
+                </a:p>
+              </p:txBody>
+            </p:sp>
+            <p:sp>
+              <p:nvSpPr>
+                <p:cNvPr id="25" name="Rounded Rectangle 24"/>
+                <p:cNvSpPr/>
+                <p:nvPr/>
+              </p:nvSpPr>
+              <p:spPr>
+                <a:xfrm>
+                  <a:off x="6387803" y="4205946"/>
+                  <a:ext cx="600075" cy="395133"/>
+                </a:xfrm>
+                <a:prstGeom prst="roundRect">
+                  <a:avLst/>
+                </a:prstGeom>
+              </p:spPr>
+              <p:style>
+                <a:lnRef idx="2">
+                  <a:schemeClr val="accent1">
+                    <a:shade val="50000"/>
+                  </a:schemeClr>
+                </a:lnRef>
+                <a:fillRef idx="1">
+                  <a:schemeClr val="accent1"/>
+                </a:fillRef>
+                <a:effectRef idx="0">
+                  <a:schemeClr val="accent1"/>
+                </a:effectRef>
+                <a:fontRef idx="minor">
+                  <a:schemeClr val="lt1"/>
+                </a:fontRef>
+              </p:style>
+              <p:txBody>
+                <a:bodyPr rtlCol="0" anchor="ctr"/>
+                <a:lstStyle/>
+                <a:p>
+                  <a:pPr algn="ctr"/>
+                  <a:r>
+                    <a:rPr lang="en-US" sz="1000" dirty="0" smtClean="0"/>
+                    <a:t>prod_2</a:t>
+                  </a:r>
+                  <a:endParaRPr lang="en-US" sz="1000" dirty="0"/>
+                </a:p>
+              </p:txBody>
+            </p:sp>
+            <p:sp>
+              <p:nvSpPr>
+                <p:cNvPr id="26" name="Rounded Rectangle 25"/>
+                <p:cNvSpPr/>
+                <p:nvPr/>
+              </p:nvSpPr>
+              <p:spPr>
+                <a:xfrm>
+                  <a:off x="7303598" y="4879340"/>
+                  <a:ext cx="685983" cy="395133"/>
+                </a:xfrm>
+                <a:prstGeom prst="roundRect">
+                  <a:avLst/>
+                </a:prstGeom>
+              </p:spPr>
+              <p:style>
+                <a:lnRef idx="2">
+                  <a:schemeClr val="accent1">
+                    <a:shade val="50000"/>
+                  </a:schemeClr>
+                </a:lnRef>
+                <a:fillRef idx="1">
+                  <a:schemeClr val="accent1"/>
+                </a:fillRef>
+                <a:effectRef idx="0">
+                  <a:schemeClr val="accent1"/>
+                </a:effectRef>
+                <a:fontRef idx="minor">
+                  <a:schemeClr val="lt1"/>
+                </a:fontRef>
+              </p:style>
+              <p:txBody>
+                <a:bodyPr rtlCol="0" anchor="ctr"/>
+                <a:lstStyle/>
+                <a:p>
+                  <a:pPr algn="ctr"/>
+                  <a:r>
+                    <a:rPr lang="en-US" sz="1000" dirty="0" err="1" smtClean="0"/>
+                    <a:t>allyloxy</a:t>
+                  </a:r>
+                  <a:endParaRPr lang="en-US" sz="1000" dirty="0"/>
+                </a:p>
+              </p:txBody>
+            </p:sp>
+            <p:sp>
+              <p:nvSpPr>
+                <p:cNvPr id="27" name="Rounded Rectangle 26"/>
+                <p:cNvSpPr/>
+                <p:nvPr/>
+              </p:nvSpPr>
+              <p:spPr>
+                <a:xfrm>
+                  <a:off x="7303599" y="5656211"/>
+                  <a:ext cx="685982" cy="395133"/>
+                </a:xfrm>
+                <a:prstGeom prst="roundRect">
+                  <a:avLst/>
+                </a:prstGeom>
+              </p:spPr>
+              <p:style>
+                <a:lnRef idx="2">
+                  <a:schemeClr val="accent1">
+                    <a:shade val="50000"/>
+                  </a:schemeClr>
+                </a:lnRef>
+                <a:fillRef idx="1">
+                  <a:schemeClr val="accent1"/>
+                </a:fillRef>
+                <a:effectRef idx="0">
+                  <a:schemeClr val="accent1"/>
+                </a:effectRef>
+                <a:fontRef idx="minor">
+                  <a:schemeClr val="lt1"/>
+                </a:fontRef>
+              </p:style>
+              <p:txBody>
+                <a:bodyPr rtlCol="0" anchor="ctr"/>
+                <a:lstStyle/>
+                <a:p>
+                  <a:pPr algn="ctr"/>
+                  <a:r>
+                    <a:rPr lang="en-US" sz="1000" dirty="0" err="1" smtClean="0"/>
+                    <a:t>acrolein</a:t>
+                  </a:r>
+                  <a:endParaRPr lang="en-US" sz="1000" dirty="0"/>
+                </a:p>
+              </p:txBody>
+            </p:sp>
+            <p:sp>
+              <p:nvSpPr>
+                <p:cNvPr id="30" name="Rounded Rectangle 29"/>
+                <p:cNvSpPr/>
+                <p:nvPr/>
+              </p:nvSpPr>
+              <p:spPr>
+                <a:xfrm>
+                  <a:off x="8853618" y="2580791"/>
+                  <a:ext cx="816618" cy="395133"/>
+                </a:xfrm>
+                <a:prstGeom prst="roundRect">
+                  <a:avLst/>
+                </a:prstGeom>
+              </p:spPr>
+              <p:style>
+                <a:lnRef idx="2">
+                  <a:schemeClr val="accent1">
+                    <a:shade val="50000"/>
+                  </a:schemeClr>
+                </a:lnRef>
+                <a:fillRef idx="1">
+                  <a:schemeClr val="accent1"/>
+                </a:fillRef>
+                <a:effectRef idx="0">
+                  <a:schemeClr val="accent1"/>
+                </a:effectRef>
+                <a:fontRef idx="minor">
+                  <a:schemeClr val="lt1"/>
+                </a:fontRef>
+              </p:style>
+              <p:txBody>
+                <a:bodyPr rtlCol="0" anchor="ctr"/>
+                <a:lstStyle/>
+                <a:p>
+                  <a:pPr algn="ctr"/>
+                  <a:r>
+                    <a:rPr lang="en-US" sz="1000" dirty="0" err="1" smtClean="0"/>
+                    <a:t>propoxide</a:t>
+                  </a:r>
+                  <a:endParaRPr lang="en-US" sz="1000" baseline="-25000" dirty="0"/>
+                </a:p>
+              </p:txBody>
+            </p:sp>
+            <p:sp>
+              <p:nvSpPr>
+                <p:cNvPr id="31" name="Rounded Rectangle 30"/>
+                <p:cNvSpPr/>
+                <p:nvPr/>
+              </p:nvSpPr>
+              <p:spPr>
+                <a:xfrm>
+                  <a:off x="8034458" y="3523405"/>
+                  <a:ext cx="875995" cy="395133"/>
+                </a:xfrm>
+                <a:prstGeom prst="roundRect">
+                  <a:avLst/>
+                </a:prstGeom>
+              </p:spPr>
+              <p:style>
+                <a:lnRef idx="2">
+                  <a:schemeClr val="accent1">
+                    <a:shade val="50000"/>
+                  </a:schemeClr>
+                </a:lnRef>
+                <a:fillRef idx="1">
+                  <a:schemeClr val="accent1"/>
+                </a:fillRef>
+                <a:effectRef idx="0">
+                  <a:schemeClr val="accent1"/>
+                </a:effectRef>
+                <a:fontRef idx="minor">
+                  <a:schemeClr val="lt1"/>
+                </a:fontRef>
+              </p:style>
+              <p:txBody>
+                <a:bodyPr rtlCol="0" anchor="ctr"/>
+                <a:lstStyle/>
+                <a:p>
+                  <a:pPr algn="ctr"/>
+                  <a:r>
+                    <a:rPr lang="en-US" sz="1000" dirty="0" err="1" smtClean="0"/>
+                    <a:t>npropylooh</a:t>
+                  </a:r>
+                  <a:endParaRPr lang="en-US" sz="1000" dirty="0"/>
+                </a:p>
+              </p:txBody>
+            </p:sp>
+            <p:sp>
+              <p:nvSpPr>
+                <p:cNvPr id="32" name="Rounded Rectangle 31"/>
+                <p:cNvSpPr/>
+                <p:nvPr/>
+              </p:nvSpPr>
+              <p:spPr>
+                <a:xfrm>
+                  <a:off x="8822485" y="1360127"/>
+                  <a:ext cx="875995" cy="437913"/>
+                </a:xfrm>
+                <a:prstGeom prst="roundRect">
+                  <a:avLst/>
+                </a:prstGeom>
+              </p:spPr>
+              <p:style>
+                <a:lnRef idx="2">
+                  <a:schemeClr val="accent1">
+                    <a:shade val="50000"/>
+                  </a:schemeClr>
+                </a:lnRef>
+                <a:fillRef idx="1">
+                  <a:schemeClr val="accent1"/>
+                </a:fillRef>
+                <a:effectRef idx="0">
+                  <a:schemeClr val="accent1"/>
+                </a:effectRef>
+                <a:fontRef idx="minor">
+                  <a:schemeClr val="lt1"/>
+                </a:fontRef>
+              </p:style>
+              <p:txBody>
+                <a:bodyPr rtlCol="0" anchor="ctr"/>
+                <a:lstStyle/>
+                <a:p>
+                  <a:pPr algn="ctr"/>
+                  <a:r>
+                    <a:rPr lang="en-US" sz="1000" dirty="0" err="1" smtClean="0"/>
+                    <a:t>npropyloxy</a:t>
+                  </a:r>
+                  <a:endParaRPr lang="en-US" sz="1000" dirty="0"/>
+                </a:p>
+              </p:txBody>
+            </p:sp>
+            <p:sp>
+              <p:nvSpPr>
+                <p:cNvPr id="22" name="Rounded Rectangle 21"/>
+                <p:cNvSpPr/>
+                <p:nvPr/>
+              </p:nvSpPr>
+              <p:spPr>
+                <a:xfrm>
+                  <a:off x="5223024" y="1378568"/>
+                  <a:ext cx="600075" cy="395133"/>
+                </a:xfrm>
+                <a:prstGeom prst="roundRect">
+                  <a:avLst/>
+                </a:prstGeom>
+              </p:spPr>
+              <p:style>
+                <a:lnRef idx="2">
+                  <a:schemeClr val="accent1">
+                    <a:shade val="50000"/>
+                  </a:schemeClr>
+                </a:lnRef>
+                <a:fillRef idx="1">
+                  <a:schemeClr val="accent1"/>
+                </a:fillRef>
+                <a:effectRef idx="0">
+                  <a:schemeClr val="accent1"/>
+                </a:effectRef>
+                <a:fontRef idx="minor">
+                  <a:schemeClr val="lt1"/>
+                </a:fontRef>
+              </p:style>
+              <p:txBody>
+                <a:bodyPr rtlCol="0" anchor="ctr"/>
+                <a:lstStyle/>
+                <a:p>
+                  <a:pPr algn="ctr"/>
+                  <a:r>
+                    <a:rPr lang="en-US" sz="1000" dirty="0" smtClean="0"/>
+                    <a:t>OH</a:t>
+                  </a:r>
+                  <a:endParaRPr lang="en-US" sz="1000" dirty="0"/>
+                </a:p>
+              </p:txBody>
+            </p:sp>
+            <p:cxnSp>
+              <p:nvCxnSpPr>
+                <p:cNvPr id="5" name="Straight Arrow Connector 4"/>
+                <p:cNvCxnSpPr>
+                  <a:stCxn id="150" idx="4"/>
+                  <a:endCxn id="7" idx="0"/>
+                </p:cNvCxnSpPr>
+                <p:nvPr/>
+              </p:nvCxnSpPr>
+              <p:spPr>
+                <a:xfrm>
+                  <a:off x="5519752" y="2215560"/>
+                  <a:ext cx="0" cy="219212"/>
+                </a:xfrm>
+                <a:prstGeom prst="straightConnector1">
+                  <a:avLst/>
+                </a:prstGeom>
+                <a:ln w="38100">
+                  <a:solidFill>
+                    <a:srgbClr val="FF0000"/>
+                  </a:solidFill>
+                  <a:headEnd type="none" w="med" len="med"/>
+                  <a:tailEnd type="triangle" w="med" len="med"/>
+                </a:ln>
+              </p:spPr>
+              <p:style>
+                <a:lnRef idx="1">
+                  <a:schemeClr val="accent1"/>
+                </a:lnRef>
+                <a:fillRef idx="0">
+                  <a:schemeClr val="accent1"/>
+                </a:fillRef>
+                <a:effectRef idx="0">
+                  <a:schemeClr val="accent1"/>
+                </a:effectRef>
+                <a:fontRef idx="minor">
+                  <a:schemeClr val="tx1"/>
+                </a:fontRef>
+              </p:style>
+            </p:cxnSp>
+            <p:sp>
+              <p:nvSpPr>
+                <p:cNvPr id="2" name="Oval 1"/>
+                <p:cNvSpPr/>
+                <p:nvPr/>
+              </p:nvSpPr>
+              <p:spPr>
+                <a:xfrm>
+                  <a:off x="1777904" y="1471663"/>
+                  <a:ext cx="200025" cy="200025"/>
+                </a:xfrm>
+                <a:prstGeom prst="ellipse">
+                  <a:avLst/>
+                </a:prstGeom>
+              </p:spPr>
+              <p:style>
+                <a:lnRef idx="2">
+                  <a:schemeClr val="accent1">
+                    <a:shade val="50000"/>
+                  </a:schemeClr>
+                </a:lnRef>
+                <a:fillRef idx="1">
+                  <a:schemeClr val="accent1"/>
+                </a:fillRef>
+                <a:effectRef idx="0">
+                  <a:schemeClr val="accent1"/>
+                </a:effectRef>
+                <a:fontRef idx="minor">
+                  <a:schemeClr val="lt1"/>
+                </a:fontRef>
+              </p:style>
+              <p:txBody>
+                <a:bodyPr rtlCol="0" anchor="ctr"/>
+                <a:lstStyle/>
+                <a:p>
+                  <a:pPr algn="ctr"/>
+                  <a:endParaRPr lang="en-US"/>
+                </a:p>
+              </p:txBody>
+            </p:sp>
+            <p:cxnSp>
+              <p:nvCxnSpPr>
+                <p:cNvPr id="11" name="Straight Arrow Connector 10"/>
+                <p:cNvCxnSpPr>
+                  <a:stCxn id="18" idx="0"/>
+                  <a:endCxn id="2" idx="4"/>
+                </p:cNvCxnSpPr>
+                <p:nvPr/>
+              </p:nvCxnSpPr>
+              <p:spPr>
+                <a:xfrm flipV="1">
+                  <a:off x="1877914" y="1671688"/>
+                  <a:ext cx="3" cy="600488"/>
+                </a:xfrm>
+                <a:prstGeom prst="straightConnector1">
+                  <a:avLst/>
+                </a:prstGeom>
+                <a:ln w="38100">
+                  <a:solidFill>
+                    <a:srgbClr val="FF0000"/>
+                  </a:solidFill>
+                  <a:tailEnd type="triangle"/>
+                </a:ln>
+              </p:spPr>
+              <p:style>
+                <a:lnRef idx="1">
+                  <a:schemeClr val="accent1"/>
+                </a:lnRef>
+                <a:fillRef idx="0">
+                  <a:schemeClr val="accent1"/>
+                </a:fillRef>
+                <a:effectRef idx="0">
+                  <a:schemeClr val="accent1"/>
+                </a:effectRef>
+                <a:fontRef idx="minor">
+                  <a:schemeClr val="tx1"/>
+                </a:fontRef>
+              </p:style>
+            </p:cxnSp>
+            <p:sp>
+              <p:nvSpPr>
+                <p:cNvPr id="48" name="Oval 47"/>
+                <p:cNvSpPr/>
+                <p:nvPr/>
+              </p:nvSpPr>
+              <p:spPr>
+                <a:xfrm>
+                  <a:off x="1777912" y="3240592"/>
+                  <a:ext cx="200025" cy="200025"/>
+                </a:xfrm>
+                <a:prstGeom prst="ellipse">
+                  <a:avLst/>
+                </a:prstGeom>
+              </p:spPr>
+              <p:style>
+                <a:lnRef idx="2">
+                  <a:schemeClr val="accent1">
+                    <a:shade val="50000"/>
+                  </a:schemeClr>
+                </a:lnRef>
+                <a:fillRef idx="1">
+                  <a:schemeClr val="accent1"/>
+                </a:fillRef>
+                <a:effectRef idx="0">
+                  <a:schemeClr val="accent1"/>
+                </a:effectRef>
+                <a:fontRef idx="minor">
+                  <a:schemeClr val="lt1"/>
+                </a:fontRef>
+              </p:style>
+              <p:txBody>
+                <a:bodyPr rtlCol="0" anchor="ctr"/>
+                <a:lstStyle/>
+                <a:p>
+                  <a:pPr algn="ctr"/>
+                  <a:endParaRPr lang="en-US"/>
+                </a:p>
+              </p:txBody>
+            </p:sp>
+            <p:cxnSp>
+              <p:nvCxnSpPr>
+                <p:cNvPr id="34" name="Straight Arrow Connector 33"/>
+                <p:cNvCxnSpPr>
+                  <a:stCxn id="17" idx="1"/>
+                  <a:endCxn id="48" idx="6"/>
+                </p:cNvCxnSpPr>
+                <p:nvPr/>
+              </p:nvCxnSpPr>
+              <p:spPr>
+                <a:xfrm flipH="1">
+                  <a:off x="1977937" y="3340604"/>
+                  <a:ext cx="199864" cy="1"/>
+                </a:xfrm>
+                <a:prstGeom prst="straightConnector1">
+                  <a:avLst/>
+                </a:prstGeom>
+                <a:ln w="38100">
+                  <a:solidFill>
+                    <a:srgbClr val="FF0000"/>
+                  </a:solidFill>
+                  <a:tailEnd type="triangle"/>
+                </a:ln>
+              </p:spPr>
+              <p:style>
+                <a:lnRef idx="1">
+                  <a:schemeClr val="accent1"/>
+                </a:lnRef>
+                <a:fillRef idx="0">
+                  <a:schemeClr val="accent1"/>
+                </a:fillRef>
+                <a:effectRef idx="0">
+                  <a:schemeClr val="accent1"/>
+                </a:effectRef>
+                <a:fontRef idx="minor">
+                  <a:schemeClr val="tx1"/>
+                </a:fontRef>
+              </p:style>
+            </p:cxnSp>
+            <p:cxnSp>
+              <p:nvCxnSpPr>
+                <p:cNvPr id="36" name="Straight Arrow Connector 35"/>
+                <p:cNvCxnSpPr>
+                  <a:stCxn id="48" idx="0"/>
+                  <a:endCxn id="18" idx="2"/>
+                </p:cNvCxnSpPr>
+                <p:nvPr/>
+              </p:nvCxnSpPr>
+              <p:spPr>
+                <a:xfrm flipH="1" flipV="1">
+                  <a:off x="1877914" y="2667309"/>
+                  <a:ext cx="11" cy="573283"/>
+                </a:xfrm>
+                <a:prstGeom prst="straightConnector1">
+                  <a:avLst/>
+                </a:prstGeom>
+                <a:ln w="38100">
+                  <a:solidFill>
+                    <a:srgbClr val="FF0000"/>
+                  </a:solidFill>
+                  <a:tailEnd type="triangle"/>
+                </a:ln>
+              </p:spPr>
+              <p:style>
+                <a:lnRef idx="1">
+                  <a:schemeClr val="accent1"/>
+                </a:lnRef>
+                <a:fillRef idx="0">
+                  <a:schemeClr val="accent1"/>
+                </a:fillRef>
+                <a:effectRef idx="0">
+                  <a:schemeClr val="accent1"/>
+                </a:effectRef>
+                <a:fontRef idx="minor">
+                  <a:schemeClr val="tx1"/>
+                </a:fontRef>
+              </p:style>
+            </p:cxnSp>
+            <p:sp>
+              <p:nvSpPr>
+                <p:cNvPr id="58" name="Oval 57"/>
+                <p:cNvSpPr/>
+                <p:nvPr/>
+              </p:nvSpPr>
+              <p:spPr>
+                <a:xfrm>
+                  <a:off x="2989159" y="3240592"/>
+                  <a:ext cx="200025" cy="200025"/>
+                </a:xfrm>
+                <a:prstGeom prst="ellipse">
+                  <a:avLst/>
+                </a:prstGeom>
+              </p:spPr>
+              <p:style>
+                <a:lnRef idx="2">
+                  <a:schemeClr val="accent1">
+                    <a:shade val="50000"/>
+                  </a:schemeClr>
+                </a:lnRef>
+                <a:fillRef idx="1">
+                  <a:schemeClr val="accent1"/>
+                </a:fillRef>
+                <a:effectRef idx="0">
+                  <a:schemeClr val="accent1"/>
+                </a:effectRef>
+                <a:fontRef idx="minor">
+                  <a:schemeClr val="lt1"/>
+                </a:fontRef>
+              </p:style>
+              <p:txBody>
+                <a:bodyPr rtlCol="0" anchor="ctr"/>
+                <a:lstStyle/>
+                <a:p>
+                  <a:pPr algn="ctr"/>
+                  <a:endParaRPr lang="en-US"/>
+                </a:p>
+              </p:txBody>
+            </p:sp>
+            <p:cxnSp>
+              <p:nvCxnSpPr>
+                <p:cNvPr id="52" name="Straight Arrow Connector 51"/>
+                <p:cNvCxnSpPr>
+                  <a:stCxn id="16" idx="1"/>
+                  <a:endCxn id="58" idx="6"/>
+                </p:cNvCxnSpPr>
+                <p:nvPr/>
+              </p:nvCxnSpPr>
+              <p:spPr>
+                <a:xfrm flipH="1" flipV="1">
+                  <a:off x="3189184" y="3340605"/>
+                  <a:ext cx="207089" cy="25"/>
+                </a:xfrm>
+                <a:prstGeom prst="straightConnector1">
+                  <a:avLst/>
+                </a:prstGeom>
+                <a:ln w="38100">
+                  <a:solidFill>
+                    <a:srgbClr val="FF0000"/>
+                  </a:solidFill>
+                  <a:tailEnd type="triangle"/>
+                </a:ln>
+              </p:spPr>
+              <p:style>
+                <a:lnRef idx="1">
+                  <a:schemeClr val="accent1"/>
+                </a:lnRef>
+                <a:fillRef idx="0">
+                  <a:schemeClr val="accent1"/>
+                </a:fillRef>
+                <a:effectRef idx="0">
+                  <a:schemeClr val="accent1"/>
+                </a:effectRef>
+                <a:fontRef idx="minor">
+                  <a:schemeClr val="tx1"/>
+                </a:fontRef>
+              </p:style>
+            </p:cxnSp>
+            <p:cxnSp>
+              <p:nvCxnSpPr>
+                <p:cNvPr id="56" name="Straight Arrow Connector 55"/>
+                <p:cNvCxnSpPr>
+                  <a:stCxn id="58" idx="2"/>
+                  <a:endCxn id="17" idx="3"/>
+                </p:cNvCxnSpPr>
+                <p:nvPr/>
+              </p:nvCxnSpPr>
+              <p:spPr>
+                <a:xfrm flipH="1" flipV="1">
+                  <a:off x="2777876" y="3340604"/>
+                  <a:ext cx="211283" cy="1"/>
+                </a:xfrm>
+                <a:prstGeom prst="straightConnector1">
+                  <a:avLst/>
+                </a:prstGeom>
+                <a:ln w="38100">
+                  <a:solidFill>
+                    <a:srgbClr val="FF0000"/>
+                  </a:solidFill>
+                  <a:tailEnd type="triangle"/>
+                </a:ln>
+              </p:spPr>
+              <p:style>
+                <a:lnRef idx="1">
+                  <a:schemeClr val="accent1"/>
+                </a:lnRef>
+                <a:fillRef idx="0">
+                  <a:schemeClr val="accent1"/>
+                </a:fillRef>
+                <a:effectRef idx="0">
+                  <a:schemeClr val="accent1"/>
+                </a:effectRef>
+                <a:fontRef idx="minor">
+                  <a:schemeClr val="tx1"/>
+                </a:fontRef>
+              </p:style>
+            </p:cxnSp>
+            <p:sp>
+              <p:nvSpPr>
+                <p:cNvPr id="73" name="Oval 72"/>
+                <p:cNvSpPr/>
+                <p:nvPr/>
+              </p:nvSpPr>
+              <p:spPr>
+                <a:xfrm>
+                  <a:off x="4181903" y="3240586"/>
+                  <a:ext cx="200025" cy="200025"/>
+                </a:xfrm>
+                <a:prstGeom prst="ellipse">
+                  <a:avLst/>
+                </a:prstGeom>
+              </p:spPr>
+              <p:style>
+                <a:lnRef idx="2">
+                  <a:schemeClr val="accent1">
+                    <a:shade val="50000"/>
+                  </a:schemeClr>
+                </a:lnRef>
+                <a:fillRef idx="1">
+                  <a:schemeClr val="accent1"/>
+                </a:fillRef>
+                <a:effectRef idx="0">
+                  <a:schemeClr val="accent1"/>
+                </a:effectRef>
+                <a:fontRef idx="minor">
+                  <a:schemeClr val="lt1"/>
+                </a:fontRef>
+              </p:style>
+              <p:txBody>
+                <a:bodyPr rtlCol="0" anchor="ctr"/>
+                <a:lstStyle/>
+                <a:p>
+                  <a:pPr algn="ctr"/>
+                  <a:endParaRPr lang="en-US"/>
+                </a:p>
+              </p:txBody>
+            </p:sp>
+            <p:cxnSp>
+              <p:nvCxnSpPr>
+                <p:cNvPr id="75" name="Straight Arrow Connector 74"/>
+                <p:cNvCxnSpPr>
+                  <a:stCxn id="7" idx="1"/>
+                  <a:endCxn id="73" idx="6"/>
+                </p:cNvCxnSpPr>
+                <p:nvPr/>
+              </p:nvCxnSpPr>
+              <p:spPr>
+                <a:xfrm flipH="1">
+                  <a:off x="4381928" y="3337707"/>
+                  <a:ext cx="234889" cy="2892"/>
+                </a:xfrm>
+                <a:prstGeom prst="straightConnector1">
+                  <a:avLst/>
+                </a:prstGeom>
+                <a:ln w="38100">
+                  <a:solidFill>
+                    <a:srgbClr val="FF0000"/>
+                  </a:solidFill>
+                  <a:tailEnd type="triangle"/>
+                </a:ln>
+              </p:spPr>
+              <p:style>
+                <a:lnRef idx="1">
+                  <a:schemeClr val="accent1"/>
+                </a:lnRef>
+                <a:fillRef idx="0">
+                  <a:schemeClr val="accent1"/>
+                </a:fillRef>
+                <a:effectRef idx="0">
+                  <a:schemeClr val="accent1"/>
+                </a:effectRef>
+                <a:fontRef idx="minor">
+                  <a:schemeClr val="tx1"/>
+                </a:fontRef>
+              </p:style>
+            </p:cxnSp>
+            <p:cxnSp>
+              <p:nvCxnSpPr>
+                <p:cNvPr id="77" name="Straight Arrow Connector 76"/>
+                <p:cNvCxnSpPr>
+                  <a:stCxn id="73" idx="2"/>
+                  <a:endCxn id="16" idx="3"/>
+                </p:cNvCxnSpPr>
+                <p:nvPr/>
+              </p:nvCxnSpPr>
+              <p:spPr>
+                <a:xfrm flipH="1">
+                  <a:off x="3996348" y="3340599"/>
+                  <a:ext cx="185555" cy="31"/>
+                </a:xfrm>
+                <a:prstGeom prst="straightConnector1">
+                  <a:avLst/>
+                </a:prstGeom>
+                <a:ln w="38100">
+                  <a:solidFill>
+                    <a:srgbClr val="FF0000"/>
+                  </a:solidFill>
+                  <a:tailEnd type="triangle"/>
+                </a:ln>
+              </p:spPr>
+              <p:style>
+                <a:lnRef idx="1">
+                  <a:schemeClr val="accent1"/>
+                </a:lnRef>
+                <a:fillRef idx="0">
+                  <a:schemeClr val="accent1"/>
+                </a:fillRef>
+                <a:effectRef idx="0">
+                  <a:schemeClr val="accent1"/>
+                </a:effectRef>
+                <a:fontRef idx="minor">
+                  <a:schemeClr val="tx1"/>
+                </a:fontRef>
+              </p:style>
+            </p:cxnSp>
+            <p:sp>
+              <p:nvSpPr>
+                <p:cNvPr id="82" name="Oval 81"/>
+                <p:cNvSpPr/>
+                <p:nvPr/>
+              </p:nvSpPr>
+              <p:spPr>
+                <a:xfrm>
+                  <a:off x="8372444" y="4596201"/>
+                  <a:ext cx="200025" cy="200025"/>
+                </a:xfrm>
+                <a:prstGeom prst="ellipse">
+                  <a:avLst/>
+                </a:prstGeom>
+              </p:spPr>
+              <p:style>
+                <a:lnRef idx="2">
+                  <a:schemeClr val="accent1">
+                    <a:shade val="50000"/>
+                  </a:schemeClr>
+                </a:lnRef>
+                <a:fillRef idx="1">
+                  <a:schemeClr val="accent1"/>
+                </a:fillRef>
+                <a:effectRef idx="0">
+                  <a:schemeClr val="accent1"/>
+                </a:effectRef>
+                <a:fontRef idx="minor">
+                  <a:schemeClr val="lt1"/>
+                </a:fontRef>
+              </p:style>
+              <p:txBody>
+                <a:bodyPr rtlCol="0" anchor="ctr"/>
+                <a:lstStyle/>
+                <a:p>
+                  <a:pPr algn="ctr"/>
+                  <a:endParaRPr lang="en-US"/>
+                </a:p>
+              </p:txBody>
+            </p:sp>
+            <p:cxnSp>
+              <p:nvCxnSpPr>
+                <p:cNvPr id="86" name="Straight Arrow Connector 85"/>
+                <p:cNvCxnSpPr>
+                  <a:stCxn id="82" idx="0"/>
+                  <a:endCxn id="31" idx="2"/>
+                </p:cNvCxnSpPr>
+                <p:nvPr/>
+              </p:nvCxnSpPr>
+              <p:spPr>
+                <a:xfrm flipH="1" flipV="1">
+                  <a:off x="8472456" y="3918538"/>
+                  <a:ext cx="1" cy="677663"/>
+                </a:xfrm>
+                <a:prstGeom prst="straightConnector1">
+                  <a:avLst/>
+                </a:prstGeom>
+                <a:ln w="38100">
+                  <a:solidFill>
+                    <a:srgbClr val="00B050"/>
+                  </a:solidFill>
+                  <a:tailEnd type="triangle"/>
+                </a:ln>
+              </p:spPr>
+              <p:style>
+                <a:lnRef idx="1">
+                  <a:schemeClr val="accent1"/>
+                </a:lnRef>
+                <a:fillRef idx="0">
+                  <a:schemeClr val="accent1"/>
+                </a:fillRef>
+                <a:effectRef idx="0">
+                  <a:schemeClr val="accent1"/>
+                </a:effectRef>
+                <a:fontRef idx="minor">
+                  <a:schemeClr val="tx1"/>
+                </a:fontRef>
+              </p:style>
+            </p:cxnSp>
+            <p:cxnSp>
+              <p:nvCxnSpPr>
+                <p:cNvPr id="88" name="Straight Arrow Connector 87"/>
+                <p:cNvCxnSpPr>
+                  <a:stCxn id="82" idx="6"/>
+                  <a:endCxn id="23" idx="1"/>
+                </p:cNvCxnSpPr>
+                <p:nvPr/>
+              </p:nvCxnSpPr>
+              <p:spPr>
+                <a:xfrm flipV="1">
+                  <a:off x="8572469" y="4696213"/>
+                  <a:ext cx="389420" cy="1"/>
+                </a:xfrm>
+                <a:prstGeom prst="straightConnector1">
+                  <a:avLst/>
+                </a:prstGeom>
+                <a:ln>
+                  <a:tailEnd type="triangle"/>
+                </a:ln>
+              </p:spPr>
+              <p:style>
+                <a:lnRef idx="1">
+                  <a:schemeClr val="accent1"/>
+                </a:lnRef>
+                <a:fillRef idx="0">
+                  <a:schemeClr val="accent1"/>
+                </a:fillRef>
+                <a:effectRef idx="0">
+                  <a:schemeClr val="accent1"/>
+                </a:effectRef>
+                <a:fontRef idx="minor">
+                  <a:schemeClr val="tx1"/>
+                </a:fontRef>
+              </p:style>
+            </p:cxnSp>
+            <p:sp>
+              <p:nvSpPr>
+                <p:cNvPr id="98" name="Oval 97"/>
+                <p:cNvSpPr/>
+                <p:nvPr/>
+              </p:nvSpPr>
+              <p:spPr>
+                <a:xfrm>
+                  <a:off x="6587829" y="2678344"/>
+                  <a:ext cx="200025" cy="200025"/>
+                </a:xfrm>
+                <a:prstGeom prst="ellipse">
+                  <a:avLst/>
+                </a:prstGeom>
+              </p:spPr>
+              <p:style>
+                <a:lnRef idx="2">
+                  <a:schemeClr val="accent1">
+                    <a:shade val="50000"/>
+                  </a:schemeClr>
+                </a:lnRef>
+                <a:fillRef idx="1">
+                  <a:schemeClr val="accent1"/>
+                </a:fillRef>
+                <a:effectRef idx="0">
+                  <a:schemeClr val="accent1"/>
+                </a:effectRef>
+                <a:fontRef idx="minor">
+                  <a:schemeClr val="lt1"/>
+                </a:fontRef>
+              </p:style>
+              <p:txBody>
+                <a:bodyPr rtlCol="0" anchor="ctr"/>
+                <a:lstStyle/>
+                <a:p>
+                  <a:pPr algn="ctr"/>
+                  <a:endParaRPr lang="en-US"/>
+                </a:p>
+              </p:txBody>
+            </p:sp>
+            <p:cxnSp>
+              <p:nvCxnSpPr>
+                <p:cNvPr id="102" name="Straight Arrow Connector 101"/>
+                <p:cNvCxnSpPr>
+                  <a:stCxn id="98" idx="6"/>
+                  <a:endCxn id="30" idx="1"/>
+                </p:cNvCxnSpPr>
+                <p:nvPr/>
+              </p:nvCxnSpPr>
+              <p:spPr>
+                <a:xfrm>
+                  <a:off x="6787854" y="2778357"/>
+                  <a:ext cx="2065764" cy="1"/>
+                </a:xfrm>
+                <a:prstGeom prst="straightConnector1">
+                  <a:avLst/>
+                </a:prstGeom>
+                <a:ln>
+                  <a:tailEnd type="triangle"/>
+                </a:ln>
+              </p:spPr>
+              <p:style>
+                <a:lnRef idx="1">
+                  <a:schemeClr val="accent1"/>
+                </a:lnRef>
+                <a:fillRef idx="0">
+                  <a:schemeClr val="accent1"/>
+                </a:fillRef>
+                <a:effectRef idx="0">
+                  <a:schemeClr val="accent1"/>
+                </a:effectRef>
+                <a:fontRef idx="minor">
+                  <a:schemeClr val="tx1"/>
+                </a:fontRef>
+              </p:style>
+            </p:cxnSp>
+            <p:sp>
+              <p:nvSpPr>
+                <p:cNvPr id="112" name="Oval 111"/>
+                <p:cNvSpPr/>
+                <p:nvPr/>
+              </p:nvSpPr>
+              <p:spPr>
+                <a:xfrm>
+                  <a:off x="7546576" y="4303499"/>
+                  <a:ext cx="200025" cy="200025"/>
+                </a:xfrm>
+                <a:prstGeom prst="ellipse">
+                  <a:avLst/>
+                </a:prstGeom>
+              </p:spPr>
+              <p:style>
+                <a:lnRef idx="2">
+                  <a:schemeClr val="accent1">
+                    <a:shade val="50000"/>
+                  </a:schemeClr>
+                </a:lnRef>
+                <a:fillRef idx="1">
+                  <a:schemeClr val="accent1"/>
+                </a:fillRef>
+                <a:effectRef idx="0">
+                  <a:schemeClr val="accent1"/>
+                </a:effectRef>
+                <a:fontRef idx="minor">
+                  <a:schemeClr val="lt1"/>
+                </a:fontRef>
+              </p:style>
+              <p:txBody>
+                <a:bodyPr rtlCol="0" anchor="ctr"/>
+                <a:lstStyle/>
+                <a:p>
+                  <a:pPr algn="ctr"/>
+                  <a:endParaRPr lang="en-US"/>
+                </a:p>
+              </p:txBody>
+            </p:sp>
+            <p:sp>
+              <p:nvSpPr>
+                <p:cNvPr id="127" name="Oval 126"/>
+                <p:cNvSpPr/>
+                <p:nvPr/>
+              </p:nvSpPr>
+              <p:spPr>
+                <a:xfrm>
+                  <a:off x="8363943" y="1476425"/>
+                  <a:ext cx="200025" cy="200025"/>
+                </a:xfrm>
+                <a:prstGeom prst="ellipse">
+                  <a:avLst/>
+                </a:prstGeom>
+              </p:spPr>
+              <p:style>
+                <a:lnRef idx="2">
+                  <a:schemeClr val="accent1">
+                    <a:shade val="50000"/>
+                  </a:schemeClr>
+                </a:lnRef>
+                <a:fillRef idx="1">
+                  <a:schemeClr val="accent1"/>
+                </a:fillRef>
+                <a:effectRef idx="0">
+                  <a:schemeClr val="accent1"/>
+                </a:effectRef>
+                <a:fontRef idx="minor">
+                  <a:schemeClr val="lt1"/>
+                </a:fontRef>
+              </p:style>
+              <p:txBody>
+                <a:bodyPr rtlCol="0" anchor="ctr"/>
+                <a:lstStyle/>
+                <a:p>
+                  <a:pPr algn="ctr"/>
+                  <a:endParaRPr lang="en-US"/>
+                </a:p>
+              </p:txBody>
+            </p:sp>
+            <p:cxnSp>
+              <p:nvCxnSpPr>
+                <p:cNvPr id="129" name="Straight Arrow Connector 128"/>
+                <p:cNvCxnSpPr>
+                  <a:stCxn id="31" idx="0"/>
+                  <a:endCxn id="127" idx="4"/>
+                </p:cNvCxnSpPr>
+                <p:nvPr/>
+              </p:nvCxnSpPr>
+              <p:spPr>
+                <a:xfrm flipH="1" flipV="1">
+                  <a:off x="8463956" y="1671688"/>
+                  <a:ext cx="8500" cy="1851717"/>
+                </a:xfrm>
+                <a:prstGeom prst="straightConnector1">
+                  <a:avLst/>
+                </a:prstGeom>
+                <a:ln w="38100">
+                  <a:solidFill>
+                    <a:srgbClr val="00B050"/>
+                  </a:solidFill>
+                  <a:tailEnd type="triangle"/>
+                </a:ln>
+              </p:spPr>
+              <p:style>
+                <a:lnRef idx="1">
+                  <a:schemeClr val="accent1"/>
+                </a:lnRef>
+                <a:fillRef idx="0">
+                  <a:schemeClr val="accent1"/>
+                </a:fillRef>
+                <a:effectRef idx="0">
+                  <a:schemeClr val="accent1"/>
+                </a:effectRef>
+                <a:fontRef idx="minor">
+                  <a:schemeClr val="tx1"/>
+                </a:fontRef>
+              </p:style>
+            </p:cxnSp>
+            <p:cxnSp>
+              <p:nvCxnSpPr>
+                <p:cNvPr id="14" name="Straight Arrow Connector 13"/>
+                <p:cNvCxnSpPr>
+                  <a:stCxn id="25" idx="3"/>
+                  <a:endCxn id="112" idx="2"/>
+                </p:cNvCxnSpPr>
+                <p:nvPr/>
+              </p:nvCxnSpPr>
+              <p:spPr>
+                <a:xfrm flipV="1">
+                  <a:off x="6987878" y="4403512"/>
+                  <a:ext cx="558698" cy="1"/>
+                </a:xfrm>
+                <a:prstGeom prst="straightConnector1">
+                  <a:avLst/>
+                </a:prstGeom>
+                <a:ln w="38100">
+                  <a:solidFill>
+                    <a:srgbClr val="C00000"/>
+                  </a:solidFill>
+                  <a:tailEnd type="triangle"/>
+                </a:ln>
+              </p:spPr>
+              <p:style>
+                <a:lnRef idx="1">
+                  <a:schemeClr val="accent1"/>
+                </a:lnRef>
+                <a:fillRef idx="0">
+                  <a:schemeClr val="accent1"/>
+                </a:fillRef>
+                <a:effectRef idx="0">
+                  <a:schemeClr val="accent1"/>
+                </a:effectRef>
+                <a:fontRef idx="minor">
+                  <a:schemeClr val="tx1"/>
+                </a:fontRef>
+              </p:style>
+            </p:cxnSp>
+            <p:cxnSp>
+              <p:nvCxnSpPr>
+                <p:cNvPr id="28" name="Straight Arrow Connector 27"/>
+                <p:cNvCxnSpPr>
+                  <a:stCxn id="112" idx="4"/>
+                  <a:endCxn id="26" idx="0"/>
+                </p:cNvCxnSpPr>
+                <p:nvPr/>
+              </p:nvCxnSpPr>
+              <p:spPr>
+                <a:xfrm>
+                  <a:off x="7646589" y="4503524"/>
+                  <a:ext cx="1" cy="375816"/>
+                </a:xfrm>
+                <a:prstGeom prst="straightConnector1">
+                  <a:avLst/>
+                </a:prstGeom>
+                <a:ln>
+                  <a:tailEnd type="triangle"/>
+                </a:ln>
+              </p:spPr>
+              <p:style>
+                <a:lnRef idx="1">
+                  <a:schemeClr val="accent1"/>
+                </a:lnRef>
+                <a:fillRef idx="0">
+                  <a:schemeClr val="accent1"/>
+                </a:fillRef>
+                <a:effectRef idx="0">
+                  <a:schemeClr val="accent1"/>
+                </a:effectRef>
+                <a:fontRef idx="minor">
+                  <a:schemeClr val="tx1"/>
+                </a:fontRef>
+              </p:style>
+            </p:cxnSp>
+            <p:cxnSp>
+              <p:nvCxnSpPr>
+                <p:cNvPr id="33" name="Straight Arrow Connector 32"/>
+                <p:cNvCxnSpPr>
+                  <a:stCxn id="26" idx="2"/>
+                  <a:endCxn id="27" idx="0"/>
+                </p:cNvCxnSpPr>
+                <p:nvPr/>
+              </p:nvCxnSpPr>
+              <p:spPr>
+                <a:xfrm>
+                  <a:off x="7646590" y="5274473"/>
+                  <a:ext cx="0" cy="381738"/>
+                </a:xfrm>
+                <a:prstGeom prst="straightConnector1">
+                  <a:avLst/>
+                </a:prstGeom>
+                <a:ln>
+                  <a:tailEnd type="triangle"/>
+                </a:ln>
+              </p:spPr>
+              <p:style>
+                <a:lnRef idx="1">
+                  <a:schemeClr val="accent1"/>
+                </a:lnRef>
+                <a:fillRef idx="0">
+                  <a:schemeClr val="accent1"/>
+                </a:fillRef>
+                <a:effectRef idx="0">
+                  <a:schemeClr val="accent1"/>
+                </a:effectRef>
+                <a:fontRef idx="minor">
+                  <a:schemeClr val="tx1"/>
+                </a:fontRef>
+              </p:style>
+            </p:cxnSp>
+            <p:cxnSp>
+              <p:nvCxnSpPr>
+                <p:cNvPr id="331" name="Elbow Connector 330"/>
+                <p:cNvCxnSpPr>
+                  <a:stCxn id="112" idx="0"/>
+                  <a:endCxn id="22" idx="3"/>
+                </p:cNvCxnSpPr>
+                <p:nvPr/>
+              </p:nvCxnSpPr>
+              <p:spPr>
+                <a:xfrm rot="16200000" flipV="1">
+                  <a:off x="5371162" y="2028072"/>
+                  <a:ext cx="2727364" cy="1823490"/>
+                </a:xfrm>
+                <a:prstGeom prst="bentConnector2">
+                  <a:avLst/>
+                </a:prstGeom>
+                <a:ln w="38100">
+                  <a:solidFill>
+                    <a:srgbClr val="C00000"/>
+                  </a:solidFill>
+                  <a:headEnd type="none" w="med" len="med"/>
+                  <a:tailEnd type="triangle" w="med" len="med"/>
+                </a:ln>
+              </p:spPr>
+              <p:style>
+                <a:lnRef idx="1">
+                  <a:schemeClr val="accent1"/>
+                </a:lnRef>
+                <a:fillRef idx="0">
+                  <a:schemeClr val="accent1"/>
+                </a:fillRef>
+                <a:effectRef idx="0">
+                  <a:schemeClr val="accent1"/>
+                </a:effectRef>
+                <a:fontRef idx="minor">
+                  <a:schemeClr val="tx1"/>
+                </a:fontRef>
+              </p:style>
+            </p:cxnSp>
+            <p:cxnSp>
+              <p:nvCxnSpPr>
+                <p:cNvPr id="118" name="Elbow Connector 117"/>
+                <p:cNvCxnSpPr>
+                  <a:stCxn id="18" idx="1"/>
+                  <a:endCxn id="19" idx="1"/>
+                </p:cNvCxnSpPr>
+                <p:nvPr/>
+              </p:nvCxnSpPr>
+              <p:spPr>
+                <a:xfrm rot="10800000" flipV="1">
+                  <a:off x="1577876" y="2469743"/>
+                  <a:ext cx="12700" cy="2607164"/>
+                </a:xfrm>
+                <a:prstGeom prst="bentConnector3">
+                  <a:avLst>
+                    <a:gd name="adj1" fmla="val 1800000"/>
+                  </a:avLst>
+                </a:prstGeom>
+                <a:ln>
+                  <a:tailEnd type="triangle"/>
+                </a:ln>
+              </p:spPr>
+              <p:style>
+                <a:lnRef idx="1">
+                  <a:schemeClr val="accent1"/>
+                </a:lnRef>
+                <a:fillRef idx="0">
+                  <a:schemeClr val="accent1"/>
+                </a:fillRef>
+                <a:effectRef idx="0">
+                  <a:schemeClr val="accent1"/>
+                </a:effectRef>
+                <a:fontRef idx="minor">
+                  <a:schemeClr val="tx1"/>
+                </a:fontRef>
+              </p:style>
+            </p:cxnSp>
+            <p:sp>
+              <p:nvSpPr>
+                <p:cNvPr id="145" name="Rounded Rectangle 144"/>
+                <p:cNvSpPr/>
+                <p:nvPr/>
+              </p:nvSpPr>
+              <p:spPr>
+                <a:xfrm>
+                  <a:off x="5700388" y="778912"/>
+                  <a:ext cx="600075" cy="395133"/>
+                </a:xfrm>
+                <a:prstGeom prst="roundRect">
+                  <a:avLst/>
+                </a:prstGeom>
+              </p:spPr>
+              <p:style>
+                <a:lnRef idx="2">
+                  <a:schemeClr val="accent1">
+                    <a:shade val="50000"/>
+                  </a:schemeClr>
+                </a:lnRef>
+                <a:fillRef idx="1">
+                  <a:schemeClr val="accent1"/>
+                </a:fillRef>
+                <a:effectRef idx="0">
+                  <a:schemeClr val="accent1"/>
+                </a:effectRef>
+                <a:fontRef idx="minor">
+                  <a:schemeClr val="lt1"/>
+                </a:fontRef>
+              </p:style>
+              <p:txBody>
+                <a:bodyPr rtlCol="0" anchor="ctr"/>
+                <a:lstStyle/>
+                <a:p>
+                  <a:pPr algn="ctr"/>
+                  <a:r>
+                    <a:rPr lang="en-US" sz="1000" dirty="0" smtClean="0"/>
+                    <a:t>fuel</a:t>
+                  </a:r>
+                  <a:endParaRPr lang="en-US" sz="1000" dirty="0"/>
+                </a:p>
+              </p:txBody>
+            </p:sp>
+            <p:sp>
+              <p:nvSpPr>
+                <p:cNvPr id="150" name="Oval 149"/>
+                <p:cNvSpPr/>
+                <p:nvPr/>
+              </p:nvSpPr>
+              <p:spPr>
+                <a:xfrm>
+                  <a:off x="5419739" y="2015535"/>
+                  <a:ext cx="200025" cy="200025"/>
+                </a:xfrm>
+                <a:prstGeom prst="ellipse">
+                  <a:avLst/>
+                </a:prstGeom>
+              </p:spPr>
+              <p:style>
+                <a:lnRef idx="2">
+                  <a:schemeClr val="accent1">
+                    <a:shade val="50000"/>
+                  </a:schemeClr>
+                </a:lnRef>
+                <a:fillRef idx="1">
+                  <a:schemeClr val="accent1"/>
+                </a:fillRef>
+                <a:effectRef idx="0">
+                  <a:schemeClr val="accent1"/>
+                </a:effectRef>
+                <a:fontRef idx="minor">
+                  <a:schemeClr val="lt1"/>
+                </a:fontRef>
+              </p:style>
+              <p:txBody>
+                <a:bodyPr rtlCol="0" anchor="ctr"/>
+                <a:lstStyle/>
+                <a:p>
+                  <a:pPr algn="ctr"/>
+                  <a:endParaRPr lang="en-US"/>
+                </a:p>
+              </p:txBody>
+            </p:sp>
+            <p:cxnSp>
+              <p:nvCxnSpPr>
+                <p:cNvPr id="347" name="Elbow Connector 346"/>
+                <p:cNvCxnSpPr>
+                  <a:stCxn id="7" idx="3"/>
+                  <a:endCxn id="98" idx="4"/>
+                </p:cNvCxnSpPr>
+                <p:nvPr/>
+              </p:nvCxnSpPr>
+              <p:spPr>
+                <a:xfrm flipV="1">
+                  <a:off x="6422687" y="2878369"/>
+                  <a:ext cx="265155" cy="459338"/>
+                </a:xfrm>
+                <a:prstGeom prst="bentConnector2">
+                  <a:avLst/>
+                </a:prstGeom>
+                <a:ln w="38100">
+                  <a:solidFill>
+                    <a:schemeClr val="accent4"/>
+                  </a:solidFill>
+                  <a:tailEnd type="triangle"/>
+                </a:ln>
+              </p:spPr>
+              <p:style>
+                <a:lnRef idx="1">
+                  <a:schemeClr val="accent1"/>
+                </a:lnRef>
+                <a:fillRef idx="0">
+                  <a:schemeClr val="accent1"/>
+                </a:fillRef>
+                <a:effectRef idx="0">
+                  <a:schemeClr val="accent1"/>
+                </a:effectRef>
+                <a:fontRef idx="minor">
+                  <a:schemeClr val="tx1"/>
+                </a:fontRef>
+              </p:style>
+            </p:cxnSp>
+            <p:cxnSp>
+              <p:nvCxnSpPr>
+                <p:cNvPr id="140" name="Elbow Connector 139"/>
+                <p:cNvCxnSpPr>
+                  <a:stCxn id="73" idx="0"/>
+                  <a:endCxn id="22" idx="1"/>
+                </p:cNvCxnSpPr>
+                <p:nvPr/>
+              </p:nvCxnSpPr>
+              <p:spPr>
+                <a:xfrm rot="5400000" flipH="1" flipV="1">
+                  <a:off x="3920245" y="1937807"/>
+                  <a:ext cx="1664451" cy="941108"/>
+                </a:xfrm>
+                <a:prstGeom prst="bentConnector2">
+                  <a:avLst/>
+                </a:prstGeom>
+                <a:ln w="38100">
+                  <a:solidFill>
+                    <a:srgbClr val="FF0000"/>
+                  </a:solidFill>
+                  <a:headEnd type="none" w="med" len="med"/>
+                  <a:tailEnd type="triangle" w="med" len="med"/>
+                </a:ln>
+              </p:spPr>
+              <p:style>
+                <a:lnRef idx="1">
+                  <a:schemeClr val="accent1"/>
+                </a:lnRef>
+                <a:fillRef idx="0">
+                  <a:schemeClr val="accent1"/>
+                </a:fillRef>
+                <a:effectRef idx="0">
+                  <a:schemeClr val="accent1"/>
+                </a:effectRef>
+                <a:fontRef idx="minor">
+                  <a:schemeClr val="tx1"/>
+                </a:fontRef>
+              </p:style>
+            </p:cxnSp>
+            <p:cxnSp>
+              <p:nvCxnSpPr>
+                <p:cNvPr id="149" name="Elbow Connector 148"/>
+                <p:cNvCxnSpPr>
+                  <a:stCxn id="58" idx="0"/>
+                  <a:endCxn id="22" idx="1"/>
+                </p:cNvCxnSpPr>
+                <p:nvPr/>
+              </p:nvCxnSpPr>
+              <p:spPr>
+                <a:xfrm rot="5400000" flipH="1" flipV="1">
+                  <a:off x="3323870" y="1341438"/>
+                  <a:ext cx="1664457" cy="2133852"/>
+                </a:xfrm>
+                <a:prstGeom prst="bentConnector2">
+                  <a:avLst/>
+                </a:prstGeom>
+                <a:ln w="38100">
+                  <a:solidFill>
+                    <a:srgbClr val="FF0000"/>
+                  </a:solidFill>
+                  <a:headEnd type="none" w="med" len="med"/>
+                  <a:tailEnd type="triangle" w="med" len="med"/>
+                </a:ln>
+              </p:spPr>
+              <p:style>
+                <a:lnRef idx="1">
+                  <a:schemeClr val="accent1"/>
+                </a:lnRef>
+                <a:fillRef idx="0">
+                  <a:schemeClr val="accent1"/>
+                </a:fillRef>
+                <a:effectRef idx="0">
+                  <a:schemeClr val="accent1"/>
+                </a:effectRef>
+                <a:fontRef idx="minor">
+                  <a:schemeClr val="tx1"/>
+                </a:fontRef>
+              </p:style>
+            </p:cxnSp>
+            <p:cxnSp>
+              <p:nvCxnSpPr>
+                <p:cNvPr id="352" name="Elbow Connector 351"/>
+                <p:cNvCxnSpPr>
+                  <a:stCxn id="127" idx="2"/>
+                  <a:endCxn id="22" idx="3"/>
+                </p:cNvCxnSpPr>
+                <p:nvPr/>
+              </p:nvCxnSpPr>
+              <p:spPr>
+                <a:xfrm rot="10800000">
+                  <a:off x="5823099" y="1576136"/>
+                  <a:ext cx="2540844" cy="303"/>
+                </a:xfrm>
+                <a:prstGeom prst="bentConnector3">
+                  <a:avLst>
+                    <a:gd name="adj1" fmla="val 50000"/>
+                  </a:avLst>
+                </a:prstGeom>
+                <a:ln w="38100">
+                  <a:solidFill>
+                    <a:schemeClr val="accent6"/>
+                  </a:solidFill>
+                  <a:headEnd type="none" w="med" len="med"/>
+                  <a:tailEnd type="triangle" w="med" len="med"/>
+                </a:ln>
+              </p:spPr>
+              <p:style>
+                <a:lnRef idx="1">
+                  <a:schemeClr val="accent1"/>
+                </a:lnRef>
+                <a:fillRef idx="0">
+                  <a:schemeClr val="accent1"/>
+                </a:fillRef>
+                <a:effectRef idx="0">
+                  <a:schemeClr val="accent1"/>
+                </a:effectRef>
+                <a:fontRef idx="minor">
+                  <a:schemeClr val="tx1"/>
+                </a:fontRef>
+              </p:style>
+            </p:cxnSp>
+            <p:cxnSp>
+              <p:nvCxnSpPr>
+                <p:cNvPr id="354" name="Elbow Connector 353"/>
+                <p:cNvCxnSpPr>
+                  <a:stCxn id="98" idx="0"/>
+                  <a:endCxn id="22" idx="3"/>
+                </p:cNvCxnSpPr>
+                <p:nvPr/>
+              </p:nvCxnSpPr>
+              <p:spPr>
+                <a:xfrm rot="16200000" flipV="1">
+                  <a:off x="5704367" y="1694868"/>
+                  <a:ext cx="1102209" cy="864743"/>
+                </a:xfrm>
+                <a:prstGeom prst="bentConnector2">
+                  <a:avLst/>
+                </a:prstGeom>
+                <a:ln w="38100">
+                  <a:solidFill>
+                    <a:schemeClr val="accent4"/>
+                  </a:solidFill>
+                  <a:headEnd type="none" w="med" len="med"/>
+                  <a:tailEnd type="triangle" w="med" len="med"/>
+                </a:ln>
+              </p:spPr>
+              <p:style>
+                <a:lnRef idx="1">
+                  <a:schemeClr val="accent1"/>
+                </a:lnRef>
+                <a:fillRef idx="0">
+                  <a:schemeClr val="accent1"/>
+                </a:fillRef>
+                <a:effectRef idx="0">
+                  <a:schemeClr val="accent1"/>
+                </a:effectRef>
+                <a:fontRef idx="minor">
+                  <a:schemeClr val="tx1"/>
+                </a:fontRef>
+              </p:style>
+            </p:cxnSp>
+            <p:cxnSp>
+              <p:nvCxnSpPr>
+                <p:cNvPr id="550" name="Elbow Connector 549"/>
+                <p:cNvCxnSpPr>
+                  <a:stCxn id="145" idx="2"/>
+                  <a:endCxn id="150" idx="6"/>
+                </p:cNvCxnSpPr>
+                <p:nvPr/>
+              </p:nvCxnSpPr>
+              <p:spPr>
+                <a:xfrm rot="5400000">
+                  <a:off x="5339344" y="1454465"/>
+                  <a:ext cx="941503" cy="380662"/>
+                </a:xfrm>
+                <a:prstGeom prst="bentConnector2">
+                  <a:avLst/>
+                </a:prstGeom>
+                <a:ln>
+                  <a:tailEnd type="triangle"/>
+                </a:ln>
+              </p:spPr>
+              <p:style>
+                <a:lnRef idx="1">
+                  <a:schemeClr val="accent1"/>
+                </a:lnRef>
+                <a:fillRef idx="0">
+                  <a:schemeClr val="accent1"/>
+                </a:fillRef>
+                <a:effectRef idx="0">
+                  <a:schemeClr val="accent1"/>
+                </a:effectRef>
+                <a:fontRef idx="minor">
+                  <a:schemeClr val="tx1"/>
+                </a:fontRef>
+              </p:style>
+            </p:cxnSp>
+            <p:cxnSp>
+              <p:nvCxnSpPr>
+                <p:cNvPr id="576" name="Elbow Connector 575"/>
+                <p:cNvCxnSpPr>
+                  <a:stCxn id="7" idx="2"/>
+                  <a:endCxn id="82" idx="2"/>
+                </p:cNvCxnSpPr>
+                <p:nvPr/>
+              </p:nvCxnSpPr>
+              <p:spPr>
+                <a:xfrm rot="16200000" flipH="1">
+                  <a:off x="6718312" y="3042082"/>
+                  <a:ext cx="455572" cy="2852692"/>
+                </a:xfrm>
+                <a:prstGeom prst="bentConnector2">
+                  <a:avLst/>
+                </a:prstGeom>
+                <a:ln w="38100">
+                  <a:solidFill>
+                    <a:srgbClr val="00B050"/>
+                  </a:solidFill>
+                  <a:tailEnd type="triangle"/>
+                </a:ln>
+              </p:spPr>
+              <p:style>
+                <a:lnRef idx="1">
+                  <a:schemeClr val="accent1"/>
+                </a:lnRef>
+                <a:fillRef idx="0">
+                  <a:schemeClr val="accent1"/>
+                </a:fillRef>
+                <a:effectRef idx="0">
+                  <a:schemeClr val="accent1"/>
+                </a:effectRef>
+                <a:fontRef idx="minor">
+                  <a:schemeClr val="tx1"/>
+                </a:fontRef>
+              </p:style>
+            </p:cxnSp>
+            <p:cxnSp>
+              <p:nvCxnSpPr>
+                <p:cNvPr id="588" name="Elbow Connector 587"/>
+                <p:cNvCxnSpPr>
+                  <a:stCxn id="7" idx="2"/>
+                  <a:endCxn id="25" idx="1"/>
+                </p:cNvCxnSpPr>
+                <p:nvPr/>
+              </p:nvCxnSpPr>
+              <p:spPr>
+                <a:xfrm rot="16200000" flipH="1">
+                  <a:off x="5872342" y="3888051"/>
+                  <a:ext cx="162871" cy="868051"/>
+                </a:xfrm>
+                <a:prstGeom prst="bentConnector2">
+                  <a:avLst/>
+                </a:prstGeom>
+                <a:ln w="38100">
+                  <a:solidFill>
+                    <a:srgbClr val="C00000"/>
+                  </a:solidFill>
+                  <a:tailEnd type="triangle"/>
+                </a:ln>
+              </p:spPr>
+              <p:style>
+                <a:lnRef idx="1">
+                  <a:schemeClr val="accent1"/>
+                </a:lnRef>
+                <a:fillRef idx="0">
+                  <a:schemeClr val="accent1"/>
+                </a:fillRef>
+                <a:effectRef idx="0">
+                  <a:schemeClr val="accent1"/>
+                </a:effectRef>
+                <a:fontRef idx="minor">
+                  <a:schemeClr val="tx1"/>
+                </a:fontRef>
+              </p:style>
+            </p:cxnSp>
+            <p:cxnSp>
+              <p:nvCxnSpPr>
+                <p:cNvPr id="643" name="Straight Arrow Connector 642"/>
+                <p:cNvCxnSpPr>
+                  <a:stCxn id="48" idx="4"/>
+                  <a:endCxn id="19" idx="0"/>
+                </p:cNvCxnSpPr>
+                <p:nvPr/>
+              </p:nvCxnSpPr>
+              <p:spPr>
+                <a:xfrm flipH="1">
+                  <a:off x="1877914" y="3440617"/>
+                  <a:ext cx="11" cy="1438723"/>
+                </a:xfrm>
+                <a:prstGeom prst="straightConnector1">
+                  <a:avLst/>
+                </a:prstGeom>
+                <a:ln>
+                  <a:tailEnd type="triangle"/>
+                </a:ln>
+              </p:spPr>
+              <p:style>
+                <a:lnRef idx="1">
+                  <a:schemeClr val="accent1"/>
+                </a:lnRef>
+                <a:fillRef idx="0">
+                  <a:schemeClr val="accent1"/>
+                </a:fillRef>
+                <a:effectRef idx="0">
+                  <a:schemeClr val="accent1"/>
+                </a:effectRef>
+                <a:fontRef idx="minor">
+                  <a:schemeClr val="tx1"/>
+                </a:fontRef>
+              </p:style>
+            </p:cxnSp>
+            <p:cxnSp>
+              <p:nvCxnSpPr>
+                <p:cNvPr id="652" name="Straight Arrow Connector 651"/>
+                <p:cNvCxnSpPr>
+                  <a:stCxn id="127" idx="6"/>
+                  <a:endCxn id="32" idx="1"/>
+                </p:cNvCxnSpPr>
+                <p:nvPr/>
+              </p:nvCxnSpPr>
+              <p:spPr>
+                <a:xfrm>
+                  <a:off x="8563968" y="1576438"/>
+                  <a:ext cx="258517" cy="2646"/>
+                </a:xfrm>
+                <a:prstGeom prst="straightConnector1">
+                  <a:avLst/>
+                </a:prstGeom>
+                <a:ln>
+                  <a:tailEnd type="triangle"/>
+                </a:ln>
+              </p:spPr>
+              <p:style>
+                <a:lnRef idx="1">
+                  <a:schemeClr val="accent1"/>
+                </a:lnRef>
+                <a:fillRef idx="0">
+                  <a:schemeClr val="accent1"/>
+                </a:fillRef>
+                <a:effectRef idx="0">
+                  <a:schemeClr val="accent1"/>
+                </a:effectRef>
+                <a:fontRef idx="minor">
+                  <a:schemeClr val="tx1"/>
+                </a:fontRef>
+              </p:style>
+            </p:cxnSp>
+            <p:cxnSp>
+              <p:nvCxnSpPr>
+                <p:cNvPr id="661" name="Elbow Connector 660"/>
+                <p:cNvCxnSpPr>
+                  <a:stCxn id="32" idx="3"/>
+                  <a:endCxn id="19" idx="2"/>
+                </p:cNvCxnSpPr>
+                <p:nvPr/>
+              </p:nvCxnSpPr>
+              <p:spPr>
+                <a:xfrm flipH="1">
+                  <a:off x="1877914" y="1579084"/>
+                  <a:ext cx="7820566" cy="3695389"/>
+                </a:xfrm>
+                <a:prstGeom prst="bentConnector4">
+                  <a:avLst>
+                    <a:gd name="adj1" fmla="val -2923"/>
+                    <a:gd name="adj2" fmla="val 124593"/>
+                  </a:avLst>
+                </a:prstGeom>
+                <a:ln>
+                  <a:tailEnd type="triangle"/>
+                </a:ln>
+              </p:spPr>
+              <p:style>
+                <a:lnRef idx="1">
+                  <a:schemeClr val="accent1"/>
+                </a:lnRef>
+                <a:fillRef idx="0">
+                  <a:schemeClr val="accent1"/>
+                </a:fillRef>
+                <a:effectRef idx="0">
+                  <a:schemeClr val="accent1"/>
+                </a:effectRef>
+                <a:fontRef idx="minor">
+                  <a:schemeClr val="tx1"/>
+                </a:fontRef>
+              </p:style>
+            </p:cxnSp>
+            <p:cxnSp>
+              <p:nvCxnSpPr>
+                <p:cNvPr id="670" name="Elbow Connector 669"/>
+                <p:cNvCxnSpPr>
+                  <a:stCxn id="23" idx="2"/>
+                  <a:endCxn id="24" idx="3"/>
+                </p:cNvCxnSpPr>
+                <p:nvPr/>
+              </p:nvCxnSpPr>
+              <p:spPr>
+                <a:xfrm rot="5400000">
+                  <a:off x="7247639" y="3418905"/>
+                  <a:ext cx="539414" cy="3489162"/>
+                </a:xfrm>
+                <a:prstGeom prst="bentConnector2">
+                  <a:avLst/>
+                </a:prstGeom>
+                <a:ln>
+                  <a:tailEnd type="triangle"/>
+                </a:ln>
+              </p:spPr>
+              <p:style>
+                <a:lnRef idx="1">
+                  <a:schemeClr val="accent1"/>
+                </a:lnRef>
+                <a:fillRef idx="0">
+                  <a:schemeClr val="accent1"/>
+                </a:fillRef>
+                <a:effectRef idx="0">
+                  <a:schemeClr val="accent1"/>
+                </a:effectRef>
+                <a:fontRef idx="minor">
+                  <a:schemeClr val="tx1"/>
+                </a:fontRef>
+              </p:style>
+            </p:cxnSp>
+            <p:cxnSp>
+              <p:nvCxnSpPr>
+                <p:cNvPr id="680" name="Elbow Connector 679"/>
+                <p:cNvCxnSpPr>
+                  <a:stCxn id="7" idx="2"/>
+                  <a:endCxn id="80" idx="0"/>
+                </p:cNvCxnSpPr>
+                <p:nvPr/>
+              </p:nvCxnSpPr>
+              <p:spPr>
+                <a:xfrm rot="5400000">
+                  <a:off x="4839025" y="4120973"/>
+                  <a:ext cx="561058" cy="800396"/>
+                </a:xfrm>
+                <a:prstGeom prst="bentConnector3">
+                  <a:avLst>
+                    <a:gd name="adj1" fmla="val 20096"/>
+                  </a:avLst>
+                </a:prstGeom>
+                <a:ln>
+                  <a:tailEnd type="triangle"/>
+                </a:ln>
+              </p:spPr>
+              <p:style>
+                <a:lnRef idx="1">
+                  <a:schemeClr val="accent1"/>
+                </a:lnRef>
+                <a:fillRef idx="0">
+                  <a:schemeClr val="accent1"/>
+                </a:fillRef>
+                <a:effectRef idx="0">
+                  <a:schemeClr val="accent1"/>
+                </a:effectRef>
+                <a:fontRef idx="minor">
+                  <a:schemeClr val="tx1"/>
+                </a:fontRef>
+              </p:style>
+            </p:cxnSp>
+            <p:cxnSp>
+              <p:nvCxnSpPr>
+                <p:cNvPr id="37" name="Straight Arrow Connector 36"/>
+                <p:cNvCxnSpPr>
+                  <a:stCxn id="2" idx="6"/>
+                  <a:endCxn id="22" idx="1"/>
+                </p:cNvCxnSpPr>
+                <p:nvPr/>
+              </p:nvCxnSpPr>
+              <p:spPr>
+                <a:xfrm>
+                  <a:off x="1977929" y="1571676"/>
+                  <a:ext cx="3245095" cy="4459"/>
+                </a:xfrm>
+                <a:prstGeom prst="straightConnector1">
+                  <a:avLst/>
+                </a:prstGeom>
+                <a:ln w="38100">
+                  <a:solidFill>
+                    <a:srgbClr val="FF0000"/>
+                  </a:solidFill>
+                  <a:tailEnd type="triangle"/>
+                </a:ln>
+              </p:spPr>
+              <p:style>
+                <a:lnRef idx="1">
+                  <a:schemeClr val="accent1"/>
+                </a:lnRef>
+                <a:fillRef idx="0">
+                  <a:schemeClr val="accent1"/>
+                </a:fillRef>
+                <a:effectRef idx="0">
+                  <a:schemeClr val="accent1"/>
+                </a:effectRef>
+                <a:fontRef idx="minor">
+                  <a:schemeClr val="tx1"/>
+                </a:fontRef>
+              </p:style>
+            </p:cxnSp>
+            <p:cxnSp>
+              <p:nvCxnSpPr>
+                <p:cNvPr id="43" name="Straight Arrow Connector 42"/>
+                <p:cNvCxnSpPr>
+                  <a:stCxn id="2" idx="0"/>
+                  <a:endCxn id="20" idx="2"/>
+                </p:cNvCxnSpPr>
+                <p:nvPr/>
+              </p:nvCxnSpPr>
+              <p:spPr>
+                <a:xfrm flipH="1" flipV="1">
+                  <a:off x="1877915" y="1174045"/>
+                  <a:ext cx="2" cy="297618"/>
+                </a:xfrm>
+                <a:prstGeom prst="straightConnector1">
+                  <a:avLst/>
+                </a:prstGeom>
+                <a:ln>
+                  <a:tailEnd type="triangle"/>
+                </a:ln>
+              </p:spPr>
+              <p:style>
+                <a:lnRef idx="1">
+                  <a:schemeClr val="accent1"/>
+                </a:lnRef>
+                <a:fillRef idx="0">
+                  <a:schemeClr val="accent1"/>
+                </a:fillRef>
+                <a:effectRef idx="0">
+                  <a:schemeClr val="accent1"/>
+                </a:effectRef>
+                <a:fontRef idx="minor">
+                  <a:schemeClr val="tx1"/>
+                </a:fontRef>
+              </p:style>
+            </p:cxnSp>
+            <p:sp>
+              <p:nvSpPr>
+                <p:cNvPr id="80" name="Oval 79"/>
+                <p:cNvSpPr/>
+                <p:nvPr/>
+              </p:nvSpPr>
+              <p:spPr>
+                <a:xfrm>
+                  <a:off x="4619343" y="4801700"/>
+                  <a:ext cx="200025" cy="200025"/>
+                </a:xfrm>
+                <a:prstGeom prst="ellipse">
+                  <a:avLst/>
+                </a:prstGeom>
+              </p:spPr>
+              <p:style>
+                <a:lnRef idx="2">
+                  <a:schemeClr val="accent1">
+                    <a:shade val="50000"/>
+                  </a:schemeClr>
+                </a:lnRef>
+                <a:fillRef idx="1">
+                  <a:schemeClr val="accent1"/>
+                </a:fillRef>
+                <a:effectRef idx="0">
+                  <a:schemeClr val="accent1"/>
+                </a:effectRef>
+                <a:fontRef idx="minor">
+                  <a:schemeClr val="lt1"/>
+                </a:fontRef>
+              </p:style>
+              <p:txBody>
+                <a:bodyPr rtlCol="0" anchor="ctr"/>
+                <a:lstStyle/>
+                <a:p>
+                  <a:pPr algn="ctr"/>
+                  <a:endParaRPr lang="en-US"/>
+                </a:p>
+              </p:txBody>
+            </p:sp>
+            <p:sp>
+              <p:nvSpPr>
+                <p:cNvPr id="90" name="Rounded Rectangle 89"/>
+                <p:cNvSpPr/>
+                <p:nvPr/>
+              </p:nvSpPr>
+              <p:spPr>
+                <a:xfrm>
+                  <a:off x="3675575" y="5238259"/>
+                  <a:ext cx="600075" cy="395133"/>
+                </a:xfrm>
+                <a:prstGeom prst="roundRect">
+                  <a:avLst/>
+                </a:prstGeom>
+              </p:spPr>
+              <p:style>
+                <a:lnRef idx="2">
+                  <a:schemeClr val="accent1">
+                    <a:shade val="50000"/>
+                  </a:schemeClr>
+                </a:lnRef>
+                <a:fillRef idx="1">
+                  <a:schemeClr val="accent1"/>
+                </a:fillRef>
+                <a:effectRef idx="0">
+                  <a:schemeClr val="accent1"/>
+                </a:effectRef>
+                <a:fontRef idx="minor">
+                  <a:schemeClr val="lt1"/>
+                </a:fontRef>
+              </p:style>
+              <p:txBody>
+                <a:bodyPr rtlCol="0" anchor="ctr"/>
+                <a:lstStyle/>
+                <a:p>
+                  <a:pPr algn="ctr"/>
+                  <a:r>
+                    <a:rPr lang="en-US" sz="1000" dirty="0" smtClean="0"/>
+                    <a:t>HO</a:t>
+                  </a:r>
+                  <a:r>
+                    <a:rPr lang="en-US" sz="1000" baseline="-25000" dirty="0" smtClean="0"/>
+                    <a:t>2</a:t>
+                  </a:r>
+                  <a:endParaRPr lang="en-US" sz="1000" baseline="-25000" dirty="0"/>
+                </a:p>
+              </p:txBody>
+            </p:sp>
+          </p:grpSp>
+          <p:pic>
+            <p:nvPicPr>
+              <p:cNvPr id="7" name="Picture 6"/>
+              <p:cNvPicPr>
+                <a:picLocks noChangeAspect="1"/>
+              </p:cNvPicPr>
+              <p:nvPr/>
+            </p:nvPicPr>
+            <p:blipFill>
+              <a:blip r:embed="rId2" cstate="print">
+                <a:extLst>
+                  <a:ext uri="{28A0092B-C50C-407E-A947-70E740481C1C}">
+                    <a14:useLocalDpi xmlns:a14="http://schemas.microsoft.com/office/drawing/2010/main" val="0"/>
+                  </a:ext>
+                </a:extLst>
+              </a:blip>
+              <a:stretch>
+                <a:fillRect/>
+              </a:stretch>
+            </p:blipFill>
+            <p:spPr>
+              <a:xfrm>
+                <a:off x="4616817" y="2434772"/>
+                <a:ext cx="1805870" cy="1805870"/>
               </a:xfrm>
               <a:prstGeom prst="rect">
                 <a:avLst/>
               </a:prstGeom>
-              <a:solidFill>
-                <a:schemeClr val="bg1"/>
-              </a:solidFill>
-              <a:ln>
-                <a:solidFill>
-                  <a:srgbClr val="00B050"/>
-                </a:solidFill>
-              </a:ln>
             </p:spPr>
-            <p:style>
-              <a:lnRef idx="2">
-                <a:schemeClr val="accent1">
-                  <a:shade val="50000"/>
-                </a:schemeClr>
-              </a:lnRef>
-              <a:fillRef idx="1">
-                <a:schemeClr val="accent1"/>
-              </a:fillRef>
-              <a:effectRef idx="0">
-                <a:schemeClr val="accent1"/>
-              </a:effectRef>
-              <a:fontRef idx="minor">
-                <a:schemeClr val="lt1"/>
-              </a:fontRef>
-            </p:style>
-            <p:txBody>
-              <a:bodyPr rtlCol="0" anchor="ctr"/>
-              <a:lstStyle/>
-              <a:p>
-                <a:pPr algn="ctr"/>
-                <a:endParaRPr lang="en-US"/>
-              </a:p>
-            </p:txBody>
-          </p:sp>
-          <p:sp>
-            <p:nvSpPr>
-              <p:cNvPr id="16" name="Rounded Rectangle 15"/>
-              <p:cNvSpPr/>
-              <p:nvPr/>
-            </p:nvSpPr>
-            <p:spPr>
-              <a:xfrm>
-                <a:off x="3396273" y="3143063"/>
-                <a:ext cx="600075" cy="395133"/>
-              </a:xfrm>
-              <a:prstGeom prst="roundRect">
-                <a:avLst/>
-              </a:prstGeom>
-            </p:spPr>
-            <p:style>
-              <a:lnRef idx="2">
-                <a:schemeClr val="accent1">
-                  <a:shade val="50000"/>
-                </a:schemeClr>
-              </a:lnRef>
-              <a:fillRef idx="1">
-                <a:schemeClr val="accent1"/>
-              </a:fillRef>
-              <a:effectRef idx="0">
-                <a:schemeClr val="accent1"/>
-              </a:effectRef>
-              <a:fontRef idx="minor">
-                <a:schemeClr val="lt1"/>
-              </a:fontRef>
-            </p:style>
-            <p:txBody>
-              <a:bodyPr rtlCol="0" anchor="ctr"/>
-              <a:lstStyle/>
-              <a:p>
-                <a:pPr algn="ctr"/>
-                <a:r>
-                  <a:rPr lang="en-US" sz="1000" dirty="0" smtClean="0"/>
-                  <a:t>prod_1</a:t>
-                </a:r>
-                <a:endParaRPr lang="en-US" sz="1000" dirty="0"/>
-              </a:p>
-            </p:txBody>
-          </p:sp>
-          <p:sp>
-            <p:nvSpPr>
-              <p:cNvPr id="17" name="Rounded Rectangle 16"/>
-              <p:cNvSpPr/>
-              <p:nvPr/>
-            </p:nvSpPr>
-            <p:spPr>
-              <a:xfrm>
-                <a:off x="2177801" y="3143037"/>
-                <a:ext cx="600075" cy="395133"/>
-              </a:xfrm>
-              <a:prstGeom prst="roundRect">
-                <a:avLst/>
-              </a:prstGeom>
-            </p:spPr>
-            <p:style>
-              <a:lnRef idx="2">
-                <a:schemeClr val="accent1">
-                  <a:shade val="50000"/>
-                </a:schemeClr>
-              </a:lnRef>
-              <a:fillRef idx="1">
-                <a:schemeClr val="accent1"/>
-              </a:fillRef>
-              <a:effectRef idx="0">
-                <a:schemeClr val="accent1"/>
-              </a:effectRef>
-              <a:fontRef idx="minor">
-                <a:schemeClr val="lt1"/>
-              </a:fontRef>
-            </p:style>
-            <p:txBody>
-              <a:bodyPr rtlCol="0" anchor="ctr"/>
-              <a:lstStyle/>
-              <a:p>
-                <a:pPr algn="ctr"/>
-                <a:r>
-                  <a:rPr lang="en-US" sz="1000" dirty="0" smtClean="0"/>
-                  <a:t>frag_1</a:t>
-                </a:r>
-                <a:endParaRPr lang="en-US" sz="1000" dirty="0"/>
-              </a:p>
-            </p:txBody>
-          </p:sp>
-          <p:sp>
-            <p:nvSpPr>
-              <p:cNvPr id="18" name="Rounded Rectangle 17"/>
-              <p:cNvSpPr/>
-              <p:nvPr/>
-            </p:nvSpPr>
-            <p:spPr>
-              <a:xfrm>
-                <a:off x="1577876" y="2272176"/>
-                <a:ext cx="600075" cy="395133"/>
-              </a:xfrm>
-              <a:prstGeom prst="roundRect">
-                <a:avLst/>
-              </a:prstGeom>
-            </p:spPr>
-            <p:style>
-              <a:lnRef idx="2">
-                <a:schemeClr val="accent1">
-                  <a:shade val="50000"/>
-                </a:schemeClr>
-              </a:lnRef>
-              <a:fillRef idx="1">
-                <a:schemeClr val="accent1"/>
-              </a:fillRef>
-              <a:effectRef idx="0">
-                <a:schemeClr val="accent1"/>
-              </a:effectRef>
-              <a:fontRef idx="minor">
-                <a:schemeClr val="lt1"/>
-              </a:fontRef>
-            </p:style>
-            <p:txBody>
-              <a:bodyPr rtlCol="0" anchor="ctr"/>
-              <a:lstStyle/>
-              <a:p>
-                <a:pPr algn="ctr"/>
-                <a:r>
-                  <a:rPr lang="en-US" sz="1000" dirty="0" err="1" smtClean="0"/>
-                  <a:t>vinoxy</a:t>
-                </a:r>
-                <a:endParaRPr lang="en-US" sz="1000" dirty="0"/>
-              </a:p>
-            </p:txBody>
-          </p:sp>
-          <p:sp>
-            <p:nvSpPr>
-              <p:cNvPr id="19" name="Rounded Rectangle 18"/>
-              <p:cNvSpPr/>
-              <p:nvPr/>
-            </p:nvSpPr>
-            <p:spPr>
-              <a:xfrm>
-                <a:off x="1577876" y="4879340"/>
-                <a:ext cx="600075" cy="395133"/>
-              </a:xfrm>
-              <a:prstGeom prst="roundRect">
-                <a:avLst/>
-              </a:prstGeom>
-            </p:spPr>
-            <p:style>
-              <a:lnRef idx="2">
-                <a:schemeClr val="accent1">
-                  <a:shade val="50000"/>
-                </a:schemeClr>
-              </a:lnRef>
-              <a:fillRef idx="1">
-                <a:schemeClr val="accent1"/>
-              </a:fillRef>
-              <a:effectRef idx="0">
-                <a:schemeClr val="accent1"/>
-              </a:effectRef>
-              <a:fontRef idx="minor">
-                <a:schemeClr val="lt1"/>
-              </a:fontRef>
-            </p:style>
-            <p:txBody>
-              <a:bodyPr rtlCol="0" anchor="ctr"/>
-              <a:lstStyle/>
-              <a:p>
-                <a:pPr algn="ctr"/>
-                <a:r>
-                  <a:rPr lang="en-US" sz="1000" dirty="0" smtClean="0"/>
-                  <a:t>CH</a:t>
-                </a:r>
-                <a:r>
-                  <a:rPr lang="en-US" sz="1000" baseline="-25000" dirty="0" smtClean="0"/>
-                  <a:t>2</a:t>
-                </a:r>
-                <a:r>
-                  <a:rPr lang="en-US" sz="1000" dirty="0" smtClean="0"/>
-                  <a:t>O</a:t>
-                </a:r>
-                <a:endParaRPr lang="en-US" sz="1000" dirty="0"/>
-              </a:p>
-            </p:txBody>
-          </p:sp>
-          <p:sp>
-            <p:nvSpPr>
-              <p:cNvPr id="20" name="Rounded Rectangle 19"/>
-              <p:cNvSpPr/>
-              <p:nvPr/>
-            </p:nvSpPr>
-            <p:spPr>
-              <a:xfrm>
-                <a:off x="1577877" y="778912"/>
-                <a:ext cx="600075" cy="395133"/>
-              </a:xfrm>
-              <a:prstGeom prst="roundRect">
-                <a:avLst/>
-              </a:prstGeom>
-            </p:spPr>
-            <p:style>
-              <a:lnRef idx="2">
-                <a:schemeClr val="accent1">
-                  <a:shade val="50000"/>
-                </a:schemeClr>
-              </a:lnRef>
-              <a:fillRef idx="1">
-                <a:schemeClr val="accent1"/>
-              </a:fillRef>
-              <a:effectRef idx="0">
-                <a:schemeClr val="accent1"/>
-              </a:effectRef>
-              <a:fontRef idx="minor">
-                <a:schemeClr val="lt1"/>
-              </a:fontRef>
-            </p:style>
-            <p:txBody>
-              <a:bodyPr rtlCol="0" anchor="ctr"/>
-              <a:lstStyle/>
-              <a:p>
-                <a:pPr algn="ctr"/>
-                <a:r>
-                  <a:rPr lang="en-US" sz="1000" dirty="0" smtClean="0"/>
-                  <a:t>CO</a:t>
-                </a:r>
-                <a:endParaRPr lang="en-US" sz="1000" dirty="0"/>
-              </a:p>
-            </p:txBody>
-          </p:sp>
-          <p:sp>
-            <p:nvSpPr>
-              <p:cNvPr id="23" name="Rounded Rectangle 22"/>
-              <p:cNvSpPr/>
-              <p:nvPr/>
-            </p:nvSpPr>
-            <p:spPr>
-              <a:xfrm>
-                <a:off x="8961889" y="4498646"/>
-                <a:ext cx="600075" cy="395133"/>
-              </a:xfrm>
-              <a:prstGeom prst="roundRect">
-                <a:avLst/>
-              </a:prstGeom>
-            </p:spPr>
-            <p:style>
-              <a:lnRef idx="2">
-                <a:schemeClr val="accent1">
-                  <a:shade val="50000"/>
-                </a:schemeClr>
-              </a:lnRef>
-              <a:fillRef idx="1">
-                <a:schemeClr val="accent1"/>
-              </a:fillRef>
-              <a:effectRef idx="0">
-                <a:schemeClr val="accent1"/>
-              </a:effectRef>
-              <a:fontRef idx="minor">
-                <a:schemeClr val="lt1"/>
-              </a:fontRef>
-            </p:style>
-            <p:txBody>
-              <a:bodyPr rtlCol="0" anchor="ctr"/>
-              <a:lstStyle/>
-              <a:p>
-                <a:pPr algn="ctr"/>
-                <a:r>
-                  <a:rPr lang="en-US" sz="1000" dirty="0" err="1" smtClean="0"/>
-                  <a:t>ipropyl</a:t>
-                </a:r>
-                <a:endParaRPr lang="en-US" sz="1000" dirty="0"/>
-              </a:p>
-            </p:txBody>
-          </p:sp>
-          <p:sp>
-            <p:nvSpPr>
-              <p:cNvPr id="24" name="Rounded Rectangle 23"/>
-              <p:cNvSpPr/>
-              <p:nvPr/>
-            </p:nvSpPr>
-            <p:spPr>
-              <a:xfrm>
-                <a:off x="5172690" y="4883288"/>
-                <a:ext cx="600075" cy="395133"/>
-              </a:xfrm>
-              <a:prstGeom prst="roundRect">
-                <a:avLst/>
-              </a:prstGeom>
-            </p:spPr>
-            <p:style>
-              <a:lnRef idx="2">
-                <a:schemeClr val="accent1">
-                  <a:shade val="50000"/>
-                </a:schemeClr>
-              </a:lnRef>
-              <a:fillRef idx="1">
-                <a:schemeClr val="accent1"/>
-              </a:fillRef>
-              <a:effectRef idx="0">
-                <a:schemeClr val="accent1"/>
-              </a:effectRef>
-              <a:fontRef idx="minor">
-                <a:schemeClr val="lt1"/>
-              </a:fontRef>
-            </p:style>
-            <p:txBody>
-              <a:bodyPr rtlCol="0" anchor="ctr"/>
-              <a:lstStyle/>
-              <a:p>
-                <a:pPr algn="ctr"/>
-                <a:r>
-                  <a:rPr lang="en-US" sz="1000" dirty="0" smtClean="0"/>
-                  <a:t>C</a:t>
-                </a:r>
-                <a:r>
-                  <a:rPr lang="en-US" sz="1000" baseline="-25000" dirty="0" smtClean="0"/>
-                  <a:t>3</a:t>
-                </a:r>
-                <a:r>
-                  <a:rPr lang="en-US" sz="1000" dirty="0" smtClean="0"/>
-                  <a:t>H</a:t>
-                </a:r>
-                <a:r>
-                  <a:rPr lang="en-US" sz="1000" baseline="-25000" dirty="0" smtClean="0"/>
-                  <a:t>6</a:t>
-                </a:r>
-                <a:endParaRPr lang="en-US" sz="1000" baseline="-25000" dirty="0"/>
-              </a:p>
-            </p:txBody>
-          </p:sp>
-          <p:sp>
-            <p:nvSpPr>
-              <p:cNvPr id="25" name="Rounded Rectangle 24"/>
-              <p:cNvSpPr/>
-              <p:nvPr/>
-            </p:nvSpPr>
-            <p:spPr>
-              <a:xfrm>
-                <a:off x="6387803" y="4205946"/>
-                <a:ext cx="600075" cy="395133"/>
-              </a:xfrm>
-              <a:prstGeom prst="roundRect">
-                <a:avLst/>
-              </a:prstGeom>
-            </p:spPr>
-            <p:style>
-              <a:lnRef idx="2">
-                <a:schemeClr val="accent1">
-                  <a:shade val="50000"/>
-                </a:schemeClr>
-              </a:lnRef>
-              <a:fillRef idx="1">
-                <a:schemeClr val="accent1"/>
-              </a:fillRef>
-              <a:effectRef idx="0">
-                <a:schemeClr val="accent1"/>
-              </a:effectRef>
-              <a:fontRef idx="minor">
-                <a:schemeClr val="lt1"/>
-              </a:fontRef>
-            </p:style>
-            <p:txBody>
-              <a:bodyPr rtlCol="0" anchor="ctr"/>
-              <a:lstStyle/>
-              <a:p>
-                <a:pPr algn="ctr"/>
-                <a:r>
-                  <a:rPr lang="en-US" sz="1000" dirty="0" smtClean="0"/>
-                  <a:t>prod_2</a:t>
-                </a:r>
-                <a:endParaRPr lang="en-US" sz="1000" dirty="0"/>
-              </a:p>
-            </p:txBody>
-          </p:sp>
-          <p:sp>
-            <p:nvSpPr>
-              <p:cNvPr id="26" name="Rounded Rectangle 25"/>
-              <p:cNvSpPr/>
-              <p:nvPr/>
-            </p:nvSpPr>
-            <p:spPr>
-              <a:xfrm>
-                <a:off x="7303598" y="4879340"/>
-                <a:ext cx="685983" cy="395133"/>
-              </a:xfrm>
-              <a:prstGeom prst="roundRect">
-                <a:avLst/>
-              </a:prstGeom>
-            </p:spPr>
-            <p:style>
-              <a:lnRef idx="2">
-                <a:schemeClr val="accent1">
-                  <a:shade val="50000"/>
-                </a:schemeClr>
-              </a:lnRef>
-              <a:fillRef idx="1">
-                <a:schemeClr val="accent1"/>
-              </a:fillRef>
-              <a:effectRef idx="0">
-                <a:schemeClr val="accent1"/>
-              </a:effectRef>
-              <a:fontRef idx="minor">
-                <a:schemeClr val="lt1"/>
-              </a:fontRef>
-            </p:style>
-            <p:txBody>
-              <a:bodyPr rtlCol="0" anchor="ctr"/>
-              <a:lstStyle/>
-              <a:p>
-                <a:pPr algn="ctr"/>
-                <a:r>
-                  <a:rPr lang="en-US" sz="1000" dirty="0" err="1" smtClean="0"/>
-                  <a:t>allyloxy</a:t>
-                </a:r>
-                <a:endParaRPr lang="en-US" sz="1000" dirty="0"/>
-              </a:p>
-            </p:txBody>
-          </p:sp>
-          <p:sp>
-            <p:nvSpPr>
-              <p:cNvPr id="27" name="Rounded Rectangle 26"/>
-              <p:cNvSpPr/>
-              <p:nvPr/>
-            </p:nvSpPr>
-            <p:spPr>
-              <a:xfrm>
-                <a:off x="7303599" y="5714934"/>
-                <a:ext cx="685982" cy="395133"/>
-              </a:xfrm>
-              <a:prstGeom prst="roundRect">
-                <a:avLst/>
-              </a:prstGeom>
-            </p:spPr>
-            <p:style>
-              <a:lnRef idx="2">
-                <a:schemeClr val="accent1">
-                  <a:shade val="50000"/>
-                </a:schemeClr>
-              </a:lnRef>
-              <a:fillRef idx="1">
-                <a:schemeClr val="accent1"/>
-              </a:fillRef>
-              <a:effectRef idx="0">
-                <a:schemeClr val="accent1"/>
-              </a:effectRef>
-              <a:fontRef idx="minor">
-                <a:schemeClr val="lt1"/>
-              </a:fontRef>
-            </p:style>
-            <p:txBody>
-              <a:bodyPr rtlCol="0" anchor="ctr"/>
-              <a:lstStyle/>
-              <a:p>
-                <a:pPr algn="ctr"/>
-                <a:r>
-                  <a:rPr lang="en-US" sz="1000" dirty="0" err="1" smtClean="0"/>
-                  <a:t>acrolein</a:t>
-                </a:r>
-                <a:endParaRPr lang="en-US" sz="1000" dirty="0"/>
-              </a:p>
-            </p:txBody>
-          </p:sp>
-          <p:sp>
-            <p:nvSpPr>
-              <p:cNvPr id="30" name="Rounded Rectangle 29"/>
-              <p:cNvSpPr/>
-              <p:nvPr/>
-            </p:nvSpPr>
-            <p:spPr>
-              <a:xfrm>
-                <a:off x="8853618" y="2580791"/>
-                <a:ext cx="816618" cy="395133"/>
-              </a:xfrm>
-              <a:prstGeom prst="roundRect">
-                <a:avLst/>
-              </a:prstGeom>
-            </p:spPr>
-            <p:style>
-              <a:lnRef idx="2">
-                <a:schemeClr val="accent1">
-                  <a:shade val="50000"/>
-                </a:schemeClr>
-              </a:lnRef>
-              <a:fillRef idx="1">
-                <a:schemeClr val="accent1"/>
-              </a:fillRef>
-              <a:effectRef idx="0">
-                <a:schemeClr val="accent1"/>
-              </a:effectRef>
-              <a:fontRef idx="minor">
-                <a:schemeClr val="lt1"/>
-              </a:fontRef>
-            </p:style>
-            <p:txBody>
-              <a:bodyPr rtlCol="0" anchor="ctr"/>
-              <a:lstStyle/>
-              <a:p>
-                <a:pPr algn="ctr"/>
-                <a:r>
-                  <a:rPr lang="en-US" sz="1000" dirty="0" err="1" smtClean="0"/>
-                  <a:t>propoxide</a:t>
-                </a:r>
-                <a:endParaRPr lang="en-US" sz="1000" baseline="-25000" dirty="0"/>
-              </a:p>
-            </p:txBody>
-          </p:sp>
-          <p:sp>
-            <p:nvSpPr>
-              <p:cNvPr id="31" name="Rounded Rectangle 30"/>
-              <p:cNvSpPr/>
-              <p:nvPr/>
-            </p:nvSpPr>
-            <p:spPr>
-              <a:xfrm>
-                <a:off x="8034458" y="3523405"/>
-                <a:ext cx="875995" cy="395133"/>
-              </a:xfrm>
-              <a:prstGeom prst="roundRect">
-                <a:avLst/>
-              </a:prstGeom>
-            </p:spPr>
-            <p:style>
-              <a:lnRef idx="2">
-                <a:schemeClr val="accent1">
-                  <a:shade val="50000"/>
-                </a:schemeClr>
-              </a:lnRef>
-              <a:fillRef idx="1">
-                <a:schemeClr val="accent1"/>
-              </a:fillRef>
-              <a:effectRef idx="0">
-                <a:schemeClr val="accent1"/>
-              </a:effectRef>
-              <a:fontRef idx="minor">
-                <a:schemeClr val="lt1"/>
-              </a:fontRef>
-            </p:style>
-            <p:txBody>
-              <a:bodyPr rtlCol="0" anchor="ctr"/>
-              <a:lstStyle/>
-              <a:p>
-                <a:pPr algn="ctr"/>
-                <a:r>
-                  <a:rPr lang="en-US" sz="1000" dirty="0" err="1" smtClean="0"/>
-                  <a:t>npropylooh</a:t>
-                </a:r>
-                <a:endParaRPr lang="en-US" sz="1000" dirty="0"/>
-              </a:p>
-            </p:txBody>
-          </p:sp>
-          <p:sp>
-            <p:nvSpPr>
-              <p:cNvPr id="32" name="Rounded Rectangle 31"/>
-              <p:cNvSpPr/>
-              <p:nvPr/>
-            </p:nvSpPr>
-            <p:spPr>
-              <a:xfrm>
-                <a:off x="8822485" y="1360127"/>
-                <a:ext cx="875995" cy="437913"/>
-              </a:xfrm>
-              <a:prstGeom prst="roundRect">
-                <a:avLst/>
-              </a:prstGeom>
-            </p:spPr>
-            <p:style>
-              <a:lnRef idx="2">
-                <a:schemeClr val="accent1">
-                  <a:shade val="50000"/>
-                </a:schemeClr>
-              </a:lnRef>
-              <a:fillRef idx="1">
-                <a:schemeClr val="accent1"/>
-              </a:fillRef>
-              <a:effectRef idx="0">
-                <a:schemeClr val="accent1"/>
-              </a:effectRef>
-              <a:fontRef idx="minor">
-                <a:schemeClr val="lt1"/>
-              </a:fontRef>
-            </p:style>
-            <p:txBody>
-              <a:bodyPr rtlCol="0" anchor="ctr"/>
-              <a:lstStyle/>
-              <a:p>
-                <a:pPr algn="ctr"/>
-                <a:r>
-                  <a:rPr lang="en-US" sz="1000" dirty="0" err="1" smtClean="0"/>
-                  <a:t>npropyloxy</a:t>
-                </a:r>
-                <a:endParaRPr lang="en-US" sz="1000" dirty="0"/>
-              </a:p>
-            </p:txBody>
-          </p:sp>
-          <p:sp>
-            <p:nvSpPr>
-              <p:cNvPr id="22" name="Rounded Rectangle 21"/>
-              <p:cNvSpPr/>
-              <p:nvPr/>
-            </p:nvSpPr>
-            <p:spPr>
-              <a:xfrm>
-                <a:off x="5223024" y="1378568"/>
-                <a:ext cx="600075" cy="395133"/>
-              </a:xfrm>
-              <a:prstGeom prst="roundRect">
-                <a:avLst/>
-              </a:prstGeom>
-            </p:spPr>
-            <p:style>
-              <a:lnRef idx="2">
-                <a:schemeClr val="accent1">
-                  <a:shade val="50000"/>
-                </a:schemeClr>
-              </a:lnRef>
-              <a:fillRef idx="1">
-                <a:schemeClr val="accent1"/>
-              </a:fillRef>
-              <a:effectRef idx="0">
-                <a:schemeClr val="accent1"/>
-              </a:effectRef>
-              <a:fontRef idx="minor">
-                <a:schemeClr val="lt1"/>
-              </a:fontRef>
-            </p:style>
-            <p:txBody>
-              <a:bodyPr rtlCol="0" anchor="ctr"/>
-              <a:lstStyle/>
-              <a:p>
-                <a:pPr algn="ctr"/>
-                <a:r>
-                  <a:rPr lang="en-US" sz="1000" dirty="0" smtClean="0"/>
-                  <a:t>OH</a:t>
-                </a:r>
-                <a:endParaRPr lang="en-US" sz="1000" dirty="0"/>
-              </a:p>
-            </p:txBody>
-          </p:sp>
+          </p:pic>
           <p:cxnSp>
             <p:nvCxnSpPr>
-              <p:cNvPr id="5" name="Straight Arrow Connector 4"/>
+              <p:cNvPr id="675" name="Straight Arrow Connector 674"/>
               <p:cNvCxnSpPr>
-                <a:stCxn id="150" idx="4"/>
-                <a:endCxn id="7" idx="0"/>
+                <a:stCxn id="22" idx="2"/>
+                <a:endCxn id="150" idx="0"/>
               </p:cNvCxnSpPr>
               <p:nvPr/>
             </p:nvCxnSpPr>
             <p:spPr>
               <a:xfrm flipH="1">
-                <a:off x="5519752" y="2226069"/>
-                <a:ext cx="132" cy="208703"/>
-              </a:xfrm>
-              <a:prstGeom prst="straightConnector1">
-                <a:avLst/>
-              </a:prstGeom>
-              <a:ln w="38100">
-                <a:solidFill>
-                  <a:srgbClr val="FF0000"/>
-                </a:solidFill>
-                <a:headEnd type="none" w="med" len="med"/>
-                <a:tailEnd type="triangle" w="med" len="med"/>
-              </a:ln>
-            </p:spPr>
-            <p:style>
-              <a:lnRef idx="1">
-                <a:schemeClr val="accent1"/>
-              </a:lnRef>
-              <a:fillRef idx="0">
-                <a:schemeClr val="accent1"/>
-              </a:fillRef>
-              <a:effectRef idx="0">
-                <a:schemeClr val="accent1"/>
-              </a:effectRef>
-              <a:fontRef idx="minor">
-                <a:schemeClr val="tx1"/>
-              </a:fontRef>
-            </p:style>
-          </p:cxnSp>
-          <p:sp>
-            <p:nvSpPr>
-              <p:cNvPr id="2" name="Oval 1"/>
-              <p:cNvSpPr/>
-              <p:nvPr/>
-            </p:nvSpPr>
-            <p:spPr>
-              <a:xfrm>
-                <a:off x="1777904" y="1471663"/>
-                <a:ext cx="200025" cy="200025"/>
-              </a:xfrm>
-              <a:prstGeom prst="ellipse">
-                <a:avLst/>
-              </a:prstGeom>
-            </p:spPr>
-            <p:style>
-              <a:lnRef idx="2">
-                <a:schemeClr val="accent1">
-                  <a:shade val="50000"/>
-                </a:schemeClr>
-              </a:lnRef>
-              <a:fillRef idx="1">
-                <a:schemeClr val="accent1"/>
-              </a:fillRef>
-              <a:effectRef idx="0">
-                <a:schemeClr val="accent1"/>
-              </a:effectRef>
-              <a:fontRef idx="minor">
-                <a:schemeClr val="lt1"/>
-              </a:fontRef>
-            </p:style>
-            <p:txBody>
-              <a:bodyPr rtlCol="0" anchor="ctr"/>
-              <a:lstStyle/>
-              <a:p>
-                <a:pPr algn="ctr"/>
-                <a:endParaRPr lang="en-US"/>
-              </a:p>
-            </p:txBody>
-          </p:sp>
-          <p:cxnSp>
-            <p:nvCxnSpPr>
-              <p:cNvPr id="11" name="Straight Arrow Connector 10"/>
-              <p:cNvCxnSpPr>
-                <a:stCxn id="18" idx="0"/>
-                <a:endCxn id="2" idx="4"/>
-              </p:cNvCxnSpPr>
-              <p:nvPr/>
-            </p:nvCxnSpPr>
-            <p:spPr>
-              <a:xfrm flipV="1">
-                <a:off x="1877914" y="1671688"/>
-                <a:ext cx="3" cy="600488"/>
+                <a:off x="5519752" y="1773701"/>
+                <a:ext cx="3310" cy="241834"/>
               </a:xfrm>
               <a:prstGeom prst="straightConnector1">
                 <a:avLst/>
@@ -17775,1573 +19459,61 @@
               </a:fontRef>
             </p:style>
           </p:cxnSp>
-          <p:sp>
-            <p:nvSpPr>
-              <p:cNvPr id="48" name="Oval 47"/>
-              <p:cNvSpPr/>
-              <p:nvPr/>
-            </p:nvSpPr>
-            <p:spPr>
-              <a:xfrm>
-                <a:off x="1777912" y="3240592"/>
-                <a:ext cx="200025" cy="200025"/>
-              </a:xfrm>
-              <a:prstGeom prst="ellipse">
-                <a:avLst/>
-              </a:prstGeom>
-            </p:spPr>
-            <p:style>
-              <a:lnRef idx="2">
-                <a:schemeClr val="accent1">
-                  <a:shade val="50000"/>
-                </a:schemeClr>
-              </a:lnRef>
-              <a:fillRef idx="1">
-                <a:schemeClr val="accent1"/>
-              </a:fillRef>
-              <a:effectRef idx="0">
-                <a:schemeClr val="accent1"/>
-              </a:effectRef>
-              <a:fontRef idx="minor">
-                <a:schemeClr val="lt1"/>
-              </a:fontRef>
-            </p:style>
-            <p:txBody>
-              <a:bodyPr rtlCol="0" anchor="ctr"/>
-              <a:lstStyle/>
-              <a:p>
-                <a:pPr algn="ctr"/>
-                <a:endParaRPr lang="en-US"/>
-              </a:p>
-            </p:txBody>
-          </p:sp>
-          <p:cxnSp>
-            <p:nvCxnSpPr>
-              <p:cNvPr id="34" name="Straight Arrow Connector 33"/>
-              <p:cNvCxnSpPr>
-                <a:stCxn id="17" idx="1"/>
-                <a:endCxn id="48" idx="6"/>
-              </p:cNvCxnSpPr>
-              <p:nvPr/>
-            </p:nvCxnSpPr>
-            <p:spPr>
-              <a:xfrm flipH="1">
-                <a:off x="1977937" y="3340604"/>
-                <a:ext cx="199864" cy="1"/>
-              </a:xfrm>
-              <a:prstGeom prst="straightConnector1">
-                <a:avLst/>
-              </a:prstGeom>
-              <a:ln w="38100">
-                <a:solidFill>
-                  <a:srgbClr val="FF0000"/>
-                </a:solidFill>
-                <a:tailEnd type="triangle"/>
-              </a:ln>
-            </p:spPr>
-            <p:style>
-              <a:lnRef idx="1">
-                <a:schemeClr val="accent1"/>
-              </a:lnRef>
-              <a:fillRef idx="0">
-                <a:schemeClr val="accent1"/>
-              </a:fillRef>
-              <a:effectRef idx="0">
-                <a:schemeClr val="accent1"/>
-              </a:effectRef>
-              <a:fontRef idx="minor">
-                <a:schemeClr val="tx1"/>
-              </a:fontRef>
-            </p:style>
-          </p:cxnSp>
-          <p:cxnSp>
-            <p:nvCxnSpPr>
-              <p:cNvPr id="36" name="Straight Arrow Connector 35"/>
-              <p:cNvCxnSpPr>
-                <a:stCxn id="48" idx="0"/>
-                <a:endCxn id="18" idx="2"/>
-              </p:cNvCxnSpPr>
-              <p:nvPr/>
-            </p:nvCxnSpPr>
-            <p:spPr>
-              <a:xfrm flipH="1" flipV="1">
-                <a:off x="1877914" y="2667309"/>
-                <a:ext cx="11" cy="573283"/>
-              </a:xfrm>
-              <a:prstGeom prst="straightConnector1">
-                <a:avLst/>
-              </a:prstGeom>
-              <a:ln w="38100">
-                <a:solidFill>
-                  <a:srgbClr val="FF0000"/>
-                </a:solidFill>
-                <a:tailEnd type="triangle"/>
-              </a:ln>
-            </p:spPr>
-            <p:style>
-              <a:lnRef idx="1">
-                <a:schemeClr val="accent1"/>
-              </a:lnRef>
-              <a:fillRef idx="0">
-                <a:schemeClr val="accent1"/>
-              </a:fillRef>
-              <a:effectRef idx="0">
-                <a:schemeClr val="accent1"/>
-              </a:effectRef>
-              <a:fontRef idx="minor">
-                <a:schemeClr val="tx1"/>
-              </a:fontRef>
-            </p:style>
-          </p:cxnSp>
-          <p:sp>
-            <p:nvSpPr>
-              <p:cNvPr id="58" name="Oval 57"/>
-              <p:cNvSpPr/>
-              <p:nvPr/>
-            </p:nvSpPr>
-            <p:spPr>
-              <a:xfrm>
-                <a:off x="2989159" y="3240592"/>
-                <a:ext cx="200025" cy="200025"/>
-              </a:xfrm>
-              <a:prstGeom prst="ellipse">
-                <a:avLst/>
-              </a:prstGeom>
-            </p:spPr>
-            <p:style>
-              <a:lnRef idx="2">
-                <a:schemeClr val="accent1">
-                  <a:shade val="50000"/>
-                </a:schemeClr>
-              </a:lnRef>
-              <a:fillRef idx="1">
-                <a:schemeClr val="accent1"/>
-              </a:fillRef>
-              <a:effectRef idx="0">
-                <a:schemeClr val="accent1"/>
-              </a:effectRef>
-              <a:fontRef idx="minor">
-                <a:schemeClr val="lt1"/>
-              </a:fontRef>
-            </p:style>
-            <p:txBody>
-              <a:bodyPr rtlCol="0" anchor="ctr"/>
-              <a:lstStyle/>
-              <a:p>
-                <a:pPr algn="ctr"/>
-                <a:endParaRPr lang="en-US"/>
-              </a:p>
-            </p:txBody>
-          </p:sp>
-          <p:cxnSp>
-            <p:nvCxnSpPr>
-              <p:cNvPr id="52" name="Straight Arrow Connector 51"/>
-              <p:cNvCxnSpPr>
-                <a:stCxn id="16" idx="1"/>
-                <a:endCxn id="58" idx="6"/>
-              </p:cNvCxnSpPr>
-              <p:nvPr/>
-            </p:nvCxnSpPr>
-            <p:spPr>
-              <a:xfrm flipH="1" flipV="1">
-                <a:off x="3189184" y="3340605"/>
-                <a:ext cx="207089" cy="25"/>
-              </a:xfrm>
-              <a:prstGeom prst="straightConnector1">
-                <a:avLst/>
-              </a:prstGeom>
-              <a:ln w="38100">
-                <a:solidFill>
-                  <a:srgbClr val="FF0000"/>
-                </a:solidFill>
-                <a:tailEnd type="triangle"/>
-              </a:ln>
-            </p:spPr>
-            <p:style>
-              <a:lnRef idx="1">
-                <a:schemeClr val="accent1"/>
-              </a:lnRef>
-              <a:fillRef idx="0">
-                <a:schemeClr val="accent1"/>
-              </a:fillRef>
-              <a:effectRef idx="0">
-                <a:schemeClr val="accent1"/>
-              </a:effectRef>
-              <a:fontRef idx="minor">
-                <a:schemeClr val="tx1"/>
-              </a:fontRef>
-            </p:style>
-          </p:cxnSp>
-          <p:cxnSp>
-            <p:nvCxnSpPr>
-              <p:cNvPr id="56" name="Straight Arrow Connector 55"/>
-              <p:cNvCxnSpPr>
-                <a:stCxn id="58" idx="2"/>
-                <a:endCxn id="17" idx="3"/>
-              </p:cNvCxnSpPr>
-              <p:nvPr/>
-            </p:nvCxnSpPr>
-            <p:spPr>
-              <a:xfrm flipH="1" flipV="1">
-                <a:off x="2777876" y="3340604"/>
-                <a:ext cx="211283" cy="1"/>
-              </a:xfrm>
-              <a:prstGeom prst="straightConnector1">
-                <a:avLst/>
-              </a:prstGeom>
-              <a:ln w="38100">
-                <a:solidFill>
-                  <a:srgbClr val="FF0000"/>
-                </a:solidFill>
-                <a:tailEnd type="triangle"/>
-              </a:ln>
-            </p:spPr>
-            <p:style>
-              <a:lnRef idx="1">
-                <a:schemeClr val="accent1"/>
-              </a:lnRef>
-              <a:fillRef idx="0">
-                <a:schemeClr val="accent1"/>
-              </a:fillRef>
-              <a:effectRef idx="0">
-                <a:schemeClr val="accent1"/>
-              </a:effectRef>
-              <a:fontRef idx="minor">
-                <a:schemeClr val="tx1"/>
-              </a:fontRef>
-            </p:style>
-          </p:cxnSp>
-          <p:sp>
-            <p:nvSpPr>
-              <p:cNvPr id="73" name="Oval 72"/>
-              <p:cNvSpPr/>
-              <p:nvPr/>
-            </p:nvSpPr>
-            <p:spPr>
-              <a:xfrm>
-                <a:off x="4181903" y="3240586"/>
-                <a:ext cx="200025" cy="200025"/>
-              </a:xfrm>
-              <a:prstGeom prst="ellipse">
-                <a:avLst/>
-              </a:prstGeom>
-            </p:spPr>
-            <p:style>
-              <a:lnRef idx="2">
-                <a:schemeClr val="accent1">
-                  <a:shade val="50000"/>
-                </a:schemeClr>
-              </a:lnRef>
-              <a:fillRef idx="1">
-                <a:schemeClr val="accent1"/>
-              </a:fillRef>
-              <a:effectRef idx="0">
-                <a:schemeClr val="accent1"/>
-              </a:effectRef>
-              <a:fontRef idx="minor">
-                <a:schemeClr val="lt1"/>
-              </a:fontRef>
-            </p:style>
-            <p:txBody>
-              <a:bodyPr rtlCol="0" anchor="ctr"/>
-              <a:lstStyle/>
-              <a:p>
-                <a:pPr algn="ctr"/>
-                <a:endParaRPr lang="en-US"/>
-              </a:p>
-            </p:txBody>
-          </p:sp>
-          <p:cxnSp>
-            <p:nvCxnSpPr>
-              <p:cNvPr id="75" name="Straight Arrow Connector 74"/>
-              <p:cNvCxnSpPr>
-                <a:stCxn id="7" idx="1"/>
-                <a:endCxn id="73" idx="6"/>
-              </p:cNvCxnSpPr>
-              <p:nvPr/>
-            </p:nvCxnSpPr>
-            <p:spPr>
-              <a:xfrm flipH="1">
-                <a:off x="4381928" y="3337707"/>
-                <a:ext cx="234889" cy="2892"/>
-              </a:xfrm>
-              <a:prstGeom prst="straightConnector1">
-                <a:avLst/>
-              </a:prstGeom>
-              <a:ln w="38100">
-                <a:solidFill>
-                  <a:srgbClr val="FF0000"/>
-                </a:solidFill>
-                <a:tailEnd type="triangle"/>
-              </a:ln>
-            </p:spPr>
-            <p:style>
-              <a:lnRef idx="1">
-                <a:schemeClr val="accent1"/>
-              </a:lnRef>
-              <a:fillRef idx="0">
-                <a:schemeClr val="accent1"/>
-              </a:fillRef>
-              <a:effectRef idx="0">
-                <a:schemeClr val="accent1"/>
-              </a:effectRef>
-              <a:fontRef idx="minor">
-                <a:schemeClr val="tx1"/>
-              </a:fontRef>
-            </p:style>
-          </p:cxnSp>
-          <p:cxnSp>
-            <p:nvCxnSpPr>
-              <p:cNvPr id="77" name="Straight Arrow Connector 76"/>
-              <p:cNvCxnSpPr>
-                <a:stCxn id="73" idx="2"/>
-                <a:endCxn id="16" idx="3"/>
-              </p:cNvCxnSpPr>
-              <p:nvPr/>
-            </p:nvCxnSpPr>
-            <p:spPr>
-              <a:xfrm flipH="1">
-                <a:off x="3996348" y="3340599"/>
-                <a:ext cx="185555" cy="31"/>
-              </a:xfrm>
-              <a:prstGeom prst="straightConnector1">
-                <a:avLst/>
-              </a:prstGeom>
-              <a:ln w="38100">
-                <a:solidFill>
-                  <a:srgbClr val="FF0000"/>
-                </a:solidFill>
-                <a:tailEnd type="triangle"/>
-              </a:ln>
-            </p:spPr>
-            <p:style>
-              <a:lnRef idx="1">
-                <a:schemeClr val="accent1"/>
-              </a:lnRef>
-              <a:fillRef idx="0">
-                <a:schemeClr val="accent1"/>
-              </a:fillRef>
-              <a:effectRef idx="0">
-                <a:schemeClr val="accent1"/>
-              </a:effectRef>
-              <a:fontRef idx="minor">
-                <a:schemeClr val="tx1"/>
-              </a:fontRef>
-            </p:style>
-          </p:cxnSp>
-          <p:sp>
-            <p:nvSpPr>
-              <p:cNvPr id="82" name="Oval 81"/>
-              <p:cNvSpPr/>
-              <p:nvPr/>
-            </p:nvSpPr>
-            <p:spPr>
-              <a:xfrm>
-                <a:off x="8372444" y="4596201"/>
-                <a:ext cx="200025" cy="200025"/>
-              </a:xfrm>
-              <a:prstGeom prst="ellipse">
-                <a:avLst/>
-              </a:prstGeom>
-            </p:spPr>
-            <p:style>
-              <a:lnRef idx="2">
-                <a:schemeClr val="accent1">
-                  <a:shade val="50000"/>
-                </a:schemeClr>
-              </a:lnRef>
-              <a:fillRef idx="1">
-                <a:schemeClr val="accent1"/>
-              </a:fillRef>
-              <a:effectRef idx="0">
-                <a:schemeClr val="accent1"/>
-              </a:effectRef>
-              <a:fontRef idx="minor">
-                <a:schemeClr val="lt1"/>
-              </a:fontRef>
-            </p:style>
-            <p:txBody>
-              <a:bodyPr rtlCol="0" anchor="ctr"/>
-              <a:lstStyle/>
-              <a:p>
-                <a:pPr algn="ctr"/>
-                <a:endParaRPr lang="en-US"/>
-              </a:p>
-            </p:txBody>
-          </p:sp>
-          <p:cxnSp>
-            <p:nvCxnSpPr>
-              <p:cNvPr id="86" name="Straight Arrow Connector 85"/>
-              <p:cNvCxnSpPr>
-                <a:stCxn id="82" idx="0"/>
-                <a:endCxn id="31" idx="2"/>
-              </p:cNvCxnSpPr>
-              <p:nvPr/>
-            </p:nvCxnSpPr>
-            <p:spPr>
-              <a:xfrm flipH="1" flipV="1">
-                <a:off x="8472456" y="3918538"/>
-                <a:ext cx="1" cy="677663"/>
-              </a:xfrm>
-              <a:prstGeom prst="straightConnector1">
-                <a:avLst/>
-              </a:prstGeom>
-              <a:ln w="38100">
-                <a:solidFill>
-                  <a:srgbClr val="00B050"/>
-                </a:solidFill>
-                <a:tailEnd type="triangle"/>
-              </a:ln>
-            </p:spPr>
-            <p:style>
-              <a:lnRef idx="1">
-                <a:schemeClr val="accent1"/>
-              </a:lnRef>
-              <a:fillRef idx="0">
-                <a:schemeClr val="accent1"/>
-              </a:fillRef>
-              <a:effectRef idx="0">
-                <a:schemeClr val="accent1"/>
-              </a:effectRef>
-              <a:fontRef idx="minor">
-                <a:schemeClr val="tx1"/>
-              </a:fontRef>
-            </p:style>
-          </p:cxnSp>
-          <p:cxnSp>
-            <p:nvCxnSpPr>
-              <p:cNvPr id="88" name="Straight Arrow Connector 87"/>
-              <p:cNvCxnSpPr>
-                <a:stCxn id="82" idx="6"/>
-                <a:endCxn id="23" idx="1"/>
-              </p:cNvCxnSpPr>
-              <p:nvPr/>
-            </p:nvCxnSpPr>
-            <p:spPr>
-              <a:xfrm flipV="1">
-                <a:off x="8572469" y="4696213"/>
-                <a:ext cx="389420" cy="1"/>
-              </a:xfrm>
-              <a:prstGeom prst="straightConnector1">
-                <a:avLst/>
-              </a:prstGeom>
-              <a:ln>
-                <a:tailEnd type="triangle"/>
-              </a:ln>
-            </p:spPr>
-            <p:style>
-              <a:lnRef idx="1">
-                <a:schemeClr val="accent1"/>
-              </a:lnRef>
-              <a:fillRef idx="0">
-                <a:schemeClr val="accent1"/>
-              </a:fillRef>
-              <a:effectRef idx="0">
-                <a:schemeClr val="accent1"/>
-              </a:effectRef>
-              <a:fontRef idx="minor">
-                <a:schemeClr val="tx1"/>
-              </a:fontRef>
-            </p:style>
-          </p:cxnSp>
-          <p:sp>
-            <p:nvSpPr>
-              <p:cNvPr id="98" name="Oval 97"/>
-              <p:cNvSpPr/>
-              <p:nvPr/>
-            </p:nvSpPr>
-            <p:spPr>
-              <a:xfrm>
-                <a:off x="6587829" y="2678344"/>
-                <a:ext cx="200025" cy="200025"/>
-              </a:xfrm>
-              <a:prstGeom prst="ellipse">
-                <a:avLst/>
-              </a:prstGeom>
-            </p:spPr>
-            <p:style>
-              <a:lnRef idx="2">
-                <a:schemeClr val="accent1">
-                  <a:shade val="50000"/>
-                </a:schemeClr>
-              </a:lnRef>
-              <a:fillRef idx="1">
-                <a:schemeClr val="accent1"/>
-              </a:fillRef>
-              <a:effectRef idx="0">
-                <a:schemeClr val="accent1"/>
-              </a:effectRef>
-              <a:fontRef idx="minor">
-                <a:schemeClr val="lt1"/>
-              </a:fontRef>
-            </p:style>
-            <p:txBody>
-              <a:bodyPr rtlCol="0" anchor="ctr"/>
-              <a:lstStyle/>
-              <a:p>
-                <a:pPr algn="ctr"/>
-                <a:endParaRPr lang="en-US"/>
-              </a:p>
-            </p:txBody>
-          </p:sp>
-          <p:cxnSp>
-            <p:nvCxnSpPr>
-              <p:cNvPr id="102" name="Straight Arrow Connector 101"/>
-              <p:cNvCxnSpPr>
-                <a:stCxn id="98" idx="6"/>
-                <a:endCxn id="30" idx="1"/>
-              </p:cNvCxnSpPr>
-              <p:nvPr/>
-            </p:nvCxnSpPr>
-            <p:spPr>
-              <a:xfrm>
-                <a:off x="6787854" y="2778357"/>
-                <a:ext cx="2065764" cy="1"/>
-              </a:xfrm>
-              <a:prstGeom prst="straightConnector1">
-                <a:avLst/>
-              </a:prstGeom>
-              <a:ln>
-                <a:tailEnd type="triangle"/>
-              </a:ln>
-            </p:spPr>
-            <p:style>
-              <a:lnRef idx="1">
-                <a:schemeClr val="accent1"/>
-              </a:lnRef>
-              <a:fillRef idx="0">
-                <a:schemeClr val="accent1"/>
-              </a:fillRef>
-              <a:effectRef idx="0">
-                <a:schemeClr val="accent1"/>
-              </a:effectRef>
-              <a:fontRef idx="minor">
-                <a:schemeClr val="tx1"/>
-              </a:fontRef>
-            </p:style>
-          </p:cxnSp>
-          <p:sp>
-            <p:nvSpPr>
-              <p:cNvPr id="112" name="Oval 111"/>
-              <p:cNvSpPr/>
-              <p:nvPr/>
-            </p:nvSpPr>
-            <p:spPr>
-              <a:xfrm>
-                <a:off x="7546576" y="4303499"/>
-                <a:ext cx="200025" cy="200025"/>
-              </a:xfrm>
-              <a:prstGeom prst="ellipse">
-                <a:avLst/>
-              </a:prstGeom>
-            </p:spPr>
-            <p:style>
-              <a:lnRef idx="2">
-                <a:schemeClr val="accent1">
-                  <a:shade val="50000"/>
-                </a:schemeClr>
-              </a:lnRef>
-              <a:fillRef idx="1">
-                <a:schemeClr val="accent1"/>
-              </a:fillRef>
-              <a:effectRef idx="0">
-                <a:schemeClr val="accent1"/>
-              </a:effectRef>
-              <a:fontRef idx="minor">
-                <a:schemeClr val="lt1"/>
-              </a:fontRef>
-            </p:style>
-            <p:txBody>
-              <a:bodyPr rtlCol="0" anchor="ctr"/>
-              <a:lstStyle/>
-              <a:p>
-                <a:pPr algn="ctr"/>
-                <a:endParaRPr lang="en-US"/>
-              </a:p>
-            </p:txBody>
-          </p:sp>
-          <p:sp>
-            <p:nvSpPr>
-              <p:cNvPr id="127" name="Oval 126"/>
-              <p:cNvSpPr/>
-              <p:nvPr/>
-            </p:nvSpPr>
-            <p:spPr>
-              <a:xfrm>
-                <a:off x="8363943" y="1476425"/>
-                <a:ext cx="200025" cy="200025"/>
-              </a:xfrm>
-              <a:prstGeom prst="ellipse">
-                <a:avLst/>
-              </a:prstGeom>
-            </p:spPr>
-            <p:style>
-              <a:lnRef idx="2">
-                <a:schemeClr val="accent1">
-                  <a:shade val="50000"/>
-                </a:schemeClr>
-              </a:lnRef>
-              <a:fillRef idx="1">
-                <a:schemeClr val="accent1"/>
-              </a:fillRef>
-              <a:effectRef idx="0">
-                <a:schemeClr val="accent1"/>
-              </a:effectRef>
-              <a:fontRef idx="minor">
-                <a:schemeClr val="lt1"/>
-              </a:fontRef>
-            </p:style>
-            <p:txBody>
-              <a:bodyPr rtlCol="0" anchor="ctr"/>
-              <a:lstStyle/>
-              <a:p>
-                <a:pPr algn="ctr"/>
-                <a:endParaRPr lang="en-US"/>
-              </a:p>
-            </p:txBody>
-          </p:sp>
-          <p:cxnSp>
-            <p:nvCxnSpPr>
-              <p:cNvPr id="129" name="Straight Arrow Connector 128"/>
-              <p:cNvCxnSpPr>
-                <a:stCxn id="31" idx="0"/>
-                <a:endCxn id="127" idx="4"/>
-              </p:cNvCxnSpPr>
-              <p:nvPr/>
-            </p:nvCxnSpPr>
-            <p:spPr>
-              <a:xfrm flipH="1" flipV="1">
-                <a:off x="8463956" y="1671688"/>
-                <a:ext cx="8500" cy="1851717"/>
-              </a:xfrm>
-              <a:prstGeom prst="straightConnector1">
-                <a:avLst/>
-              </a:prstGeom>
-              <a:ln w="38100">
-                <a:solidFill>
-                  <a:srgbClr val="00B050"/>
-                </a:solidFill>
-                <a:tailEnd type="triangle"/>
-              </a:ln>
-            </p:spPr>
-            <p:style>
-              <a:lnRef idx="1">
-                <a:schemeClr val="accent1"/>
-              </a:lnRef>
-              <a:fillRef idx="0">
-                <a:schemeClr val="accent1"/>
-              </a:fillRef>
-              <a:effectRef idx="0">
-                <a:schemeClr val="accent1"/>
-              </a:effectRef>
-              <a:fontRef idx="minor">
-                <a:schemeClr val="tx1"/>
-              </a:fontRef>
-            </p:style>
-          </p:cxnSp>
-          <p:cxnSp>
-            <p:nvCxnSpPr>
-              <p:cNvPr id="14" name="Straight Arrow Connector 13"/>
-              <p:cNvCxnSpPr>
-                <a:stCxn id="25" idx="3"/>
-                <a:endCxn id="112" idx="2"/>
-              </p:cNvCxnSpPr>
-              <p:nvPr/>
-            </p:nvCxnSpPr>
-            <p:spPr>
-              <a:xfrm flipV="1">
-                <a:off x="6987878" y="4403512"/>
-                <a:ext cx="558698" cy="1"/>
-              </a:xfrm>
-              <a:prstGeom prst="straightConnector1">
-                <a:avLst/>
-              </a:prstGeom>
-              <a:ln w="38100">
-                <a:solidFill>
-                  <a:srgbClr val="C00000"/>
-                </a:solidFill>
-                <a:tailEnd type="triangle"/>
-              </a:ln>
-            </p:spPr>
-            <p:style>
-              <a:lnRef idx="1">
-                <a:schemeClr val="accent1"/>
-              </a:lnRef>
-              <a:fillRef idx="0">
-                <a:schemeClr val="accent1"/>
-              </a:fillRef>
-              <a:effectRef idx="0">
-                <a:schemeClr val="accent1"/>
-              </a:effectRef>
-              <a:fontRef idx="minor">
-                <a:schemeClr val="tx1"/>
-              </a:fontRef>
-            </p:style>
-          </p:cxnSp>
-          <p:cxnSp>
-            <p:nvCxnSpPr>
-              <p:cNvPr id="28" name="Straight Arrow Connector 27"/>
-              <p:cNvCxnSpPr>
-                <a:stCxn id="112" idx="4"/>
-                <a:endCxn id="26" idx="0"/>
-              </p:cNvCxnSpPr>
-              <p:nvPr/>
-            </p:nvCxnSpPr>
-            <p:spPr>
-              <a:xfrm>
-                <a:off x="7646589" y="4503524"/>
-                <a:ext cx="1" cy="375816"/>
-              </a:xfrm>
-              <a:prstGeom prst="straightConnector1">
-                <a:avLst/>
-              </a:prstGeom>
-              <a:ln>
-                <a:tailEnd type="triangle"/>
-              </a:ln>
-            </p:spPr>
-            <p:style>
-              <a:lnRef idx="1">
-                <a:schemeClr val="accent1"/>
-              </a:lnRef>
-              <a:fillRef idx="0">
-                <a:schemeClr val="accent1"/>
-              </a:fillRef>
-              <a:effectRef idx="0">
-                <a:schemeClr val="accent1"/>
-              </a:effectRef>
-              <a:fontRef idx="minor">
-                <a:schemeClr val="tx1"/>
-              </a:fontRef>
-            </p:style>
-          </p:cxnSp>
-          <p:cxnSp>
-            <p:nvCxnSpPr>
-              <p:cNvPr id="33" name="Straight Arrow Connector 32"/>
-              <p:cNvCxnSpPr>
-                <a:stCxn id="26" idx="2"/>
-                <a:endCxn id="27" idx="0"/>
-              </p:cNvCxnSpPr>
-              <p:nvPr/>
-            </p:nvCxnSpPr>
-            <p:spPr>
-              <a:xfrm>
-                <a:off x="7646590" y="5274473"/>
-                <a:ext cx="0" cy="440461"/>
-              </a:xfrm>
-              <a:prstGeom prst="straightConnector1">
-                <a:avLst/>
-              </a:prstGeom>
-              <a:ln>
-                <a:tailEnd type="triangle"/>
-              </a:ln>
-            </p:spPr>
-            <p:style>
-              <a:lnRef idx="1">
-                <a:schemeClr val="accent1"/>
-              </a:lnRef>
-              <a:fillRef idx="0">
-                <a:schemeClr val="accent1"/>
-              </a:fillRef>
-              <a:effectRef idx="0">
-                <a:schemeClr val="accent1"/>
-              </a:effectRef>
-              <a:fontRef idx="minor">
-                <a:schemeClr val="tx1"/>
-              </a:fontRef>
-            </p:style>
-          </p:cxnSp>
-          <p:cxnSp>
-            <p:nvCxnSpPr>
-              <p:cNvPr id="331" name="Elbow Connector 330"/>
-              <p:cNvCxnSpPr>
-                <a:stCxn id="112" idx="0"/>
-                <a:endCxn id="22" idx="3"/>
-              </p:cNvCxnSpPr>
-              <p:nvPr/>
-            </p:nvCxnSpPr>
-            <p:spPr>
-              <a:xfrm rot="16200000" flipV="1">
-                <a:off x="5371162" y="2028072"/>
-                <a:ext cx="2727364" cy="1823490"/>
-              </a:xfrm>
-              <a:prstGeom prst="bentConnector2">
-                <a:avLst/>
-              </a:prstGeom>
-              <a:ln w="38100">
-                <a:solidFill>
-                  <a:srgbClr val="C00000"/>
-                </a:solidFill>
-                <a:headEnd type="none" w="med" len="med"/>
-                <a:tailEnd type="triangle" w="med" len="med"/>
-              </a:ln>
-            </p:spPr>
-            <p:style>
-              <a:lnRef idx="1">
-                <a:schemeClr val="accent1"/>
-              </a:lnRef>
-              <a:fillRef idx="0">
-                <a:schemeClr val="accent1"/>
-              </a:fillRef>
-              <a:effectRef idx="0">
-                <a:schemeClr val="accent1"/>
-              </a:effectRef>
-              <a:fontRef idx="minor">
-                <a:schemeClr val="tx1"/>
-              </a:fontRef>
-            </p:style>
-          </p:cxnSp>
-          <p:cxnSp>
-            <p:nvCxnSpPr>
-              <p:cNvPr id="118" name="Elbow Connector 117"/>
-              <p:cNvCxnSpPr>
-                <a:stCxn id="18" idx="1"/>
-                <a:endCxn id="19" idx="1"/>
-              </p:cNvCxnSpPr>
-              <p:nvPr/>
-            </p:nvCxnSpPr>
-            <p:spPr>
-              <a:xfrm rot="10800000" flipV="1">
-                <a:off x="1577876" y="2469743"/>
-                <a:ext cx="12700" cy="2607164"/>
-              </a:xfrm>
-              <a:prstGeom prst="bentConnector3">
-                <a:avLst>
-                  <a:gd name="adj1" fmla="val 1800000"/>
-                </a:avLst>
-              </a:prstGeom>
-              <a:ln>
-                <a:tailEnd type="triangle"/>
-              </a:ln>
-            </p:spPr>
-            <p:style>
-              <a:lnRef idx="1">
-                <a:schemeClr val="accent1"/>
-              </a:lnRef>
-              <a:fillRef idx="0">
-                <a:schemeClr val="accent1"/>
-              </a:fillRef>
-              <a:effectRef idx="0">
-                <a:schemeClr val="accent1"/>
-              </a:effectRef>
-              <a:fontRef idx="minor">
-                <a:schemeClr val="tx1"/>
-              </a:fontRef>
-            </p:style>
-          </p:cxnSp>
-          <p:sp>
-            <p:nvSpPr>
-              <p:cNvPr id="145" name="Rounded Rectangle 144"/>
-              <p:cNvSpPr/>
-              <p:nvPr/>
-            </p:nvSpPr>
-            <p:spPr>
-              <a:xfrm>
-                <a:off x="5700388" y="778912"/>
-                <a:ext cx="600075" cy="395133"/>
-              </a:xfrm>
-              <a:prstGeom prst="roundRect">
-                <a:avLst/>
-              </a:prstGeom>
-            </p:spPr>
-            <p:style>
-              <a:lnRef idx="2">
-                <a:schemeClr val="accent1">
-                  <a:shade val="50000"/>
-                </a:schemeClr>
-              </a:lnRef>
-              <a:fillRef idx="1">
-                <a:schemeClr val="accent1"/>
-              </a:fillRef>
-              <a:effectRef idx="0">
-                <a:schemeClr val="accent1"/>
-              </a:effectRef>
-              <a:fontRef idx="minor">
-                <a:schemeClr val="lt1"/>
-              </a:fontRef>
-            </p:style>
-            <p:txBody>
-              <a:bodyPr rtlCol="0" anchor="ctr"/>
-              <a:lstStyle/>
-              <a:p>
-                <a:pPr algn="ctr"/>
-                <a:r>
-                  <a:rPr lang="en-US" sz="1000" dirty="0" smtClean="0"/>
-                  <a:t>fuel</a:t>
-                </a:r>
-                <a:endParaRPr lang="en-US" sz="1000" dirty="0"/>
-              </a:p>
-            </p:txBody>
-          </p:sp>
-          <p:sp>
-            <p:nvSpPr>
-              <p:cNvPr id="150" name="Oval 149"/>
-              <p:cNvSpPr/>
-              <p:nvPr/>
-            </p:nvSpPr>
-            <p:spPr>
-              <a:xfrm>
-                <a:off x="5419871" y="2026044"/>
-                <a:ext cx="200025" cy="200025"/>
-              </a:xfrm>
-              <a:prstGeom prst="ellipse">
-                <a:avLst/>
-              </a:prstGeom>
-            </p:spPr>
-            <p:style>
-              <a:lnRef idx="2">
-                <a:schemeClr val="accent1">
-                  <a:shade val="50000"/>
-                </a:schemeClr>
-              </a:lnRef>
-              <a:fillRef idx="1">
-                <a:schemeClr val="accent1"/>
-              </a:fillRef>
-              <a:effectRef idx="0">
-                <a:schemeClr val="accent1"/>
-              </a:effectRef>
-              <a:fontRef idx="minor">
-                <a:schemeClr val="lt1"/>
-              </a:fontRef>
-            </p:style>
-            <p:txBody>
-              <a:bodyPr rtlCol="0" anchor="ctr"/>
-              <a:lstStyle/>
-              <a:p>
-                <a:pPr algn="ctr"/>
-                <a:endParaRPr lang="en-US"/>
-              </a:p>
-            </p:txBody>
-          </p:sp>
-          <p:cxnSp>
-            <p:nvCxnSpPr>
-              <p:cNvPr id="347" name="Elbow Connector 346"/>
-              <p:cNvCxnSpPr>
-                <a:stCxn id="7" idx="3"/>
-                <a:endCxn id="98" idx="4"/>
-              </p:cNvCxnSpPr>
-              <p:nvPr/>
-            </p:nvCxnSpPr>
-            <p:spPr>
-              <a:xfrm flipV="1">
-                <a:off x="6422687" y="2878369"/>
-                <a:ext cx="265155" cy="459338"/>
-              </a:xfrm>
-              <a:prstGeom prst="bentConnector2">
-                <a:avLst/>
-              </a:prstGeom>
-              <a:ln w="38100">
-                <a:solidFill>
-                  <a:schemeClr val="accent4"/>
-                </a:solidFill>
-                <a:tailEnd type="triangle"/>
-              </a:ln>
-            </p:spPr>
-            <p:style>
-              <a:lnRef idx="1">
-                <a:schemeClr val="accent1"/>
-              </a:lnRef>
-              <a:fillRef idx="0">
-                <a:schemeClr val="accent1"/>
-              </a:fillRef>
-              <a:effectRef idx="0">
-                <a:schemeClr val="accent1"/>
-              </a:effectRef>
-              <a:fontRef idx="minor">
-                <a:schemeClr val="tx1"/>
-              </a:fontRef>
-            </p:style>
-          </p:cxnSp>
-          <p:cxnSp>
-            <p:nvCxnSpPr>
-              <p:cNvPr id="140" name="Elbow Connector 139"/>
-              <p:cNvCxnSpPr>
-                <a:stCxn id="73" idx="0"/>
-                <a:endCxn id="22" idx="1"/>
-              </p:cNvCxnSpPr>
-              <p:nvPr/>
-            </p:nvCxnSpPr>
-            <p:spPr>
-              <a:xfrm rot="5400000" flipH="1" flipV="1">
-                <a:off x="3895078" y="1962974"/>
-                <a:ext cx="1664451" cy="890774"/>
-              </a:xfrm>
-              <a:prstGeom prst="bentConnector2">
-                <a:avLst/>
-              </a:prstGeom>
-              <a:ln w="38100">
-                <a:solidFill>
-                  <a:srgbClr val="FF0000"/>
-                </a:solidFill>
-                <a:headEnd type="none" w="med" len="med"/>
-                <a:tailEnd type="triangle" w="med" len="med"/>
-              </a:ln>
-            </p:spPr>
-            <p:style>
-              <a:lnRef idx="1">
-                <a:schemeClr val="accent1"/>
-              </a:lnRef>
-              <a:fillRef idx="0">
-                <a:schemeClr val="accent1"/>
-              </a:fillRef>
-              <a:effectRef idx="0">
-                <a:schemeClr val="accent1"/>
-              </a:effectRef>
-              <a:fontRef idx="minor">
-                <a:schemeClr val="tx1"/>
-              </a:fontRef>
-            </p:style>
-          </p:cxnSp>
-          <p:cxnSp>
-            <p:nvCxnSpPr>
-              <p:cNvPr id="149" name="Elbow Connector 148"/>
-              <p:cNvCxnSpPr>
-                <a:stCxn id="58" idx="0"/>
-                <a:endCxn id="22" idx="1"/>
-              </p:cNvCxnSpPr>
-              <p:nvPr/>
-            </p:nvCxnSpPr>
-            <p:spPr>
-              <a:xfrm rot="5400000" flipH="1" flipV="1">
-                <a:off x="3298703" y="1366605"/>
-                <a:ext cx="1664457" cy="2083518"/>
-              </a:xfrm>
-              <a:prstGeom prst="bentConnector2">
-                <a:avLst/>
-              </a:prstGeom>
-              <a:ln w="38100">
-                <a:solidFill>
-                  <a:srgbClr val="FF0000"/>
-                </a:solidFill>
-                <a:headEnd type="none" w="med" len="med"/>
-                <a:tailEnd type="triangle" w="med" len="med"/>
-              </a:ln>
-            </p:spPr>
-            <p:style>
-              <a:lnRef idx="1">
-                <a:schemeClr val="accent1"/>
-              </a:lnRef>
-              <a:fillRef idx="0">
-                <a:schemeClr val="accent1"/>
-              </a:fillRef>
-              <a:effectRef idx="0">
-                <a:schemeClr val="accent1"/>
-              </a:effectRef>
-              <a:fontRef idx="minor">
-                <a:schemeClr val="tx1"/>
-              </a:fontRef>
-            </p:style>
-          </p:cxnSp>
-          <p:cxnSp>
-            <p:nvCxnSpPr>
-              <p:cNvPr id="352" name="Elbow Connector 351"/>
-              <p:cNvCxnSpPr>
-                <a:stCxn id="127" idx="2"/>
-                <a:endCxn id="22" idx="3"/>
-              </p:cNvCxnSpPr>
-              <p:nvPr/>
-            </p:nvCxnSpPr>
-            <p:spPr>
-              <a:xfrm rot="10800000">
-                <a:off x="5823099" y="1576136"/>
-                <a:ext cx="2540844" cy="303"/>
-              </a:xfrm>
-              <a:prstGeom prst="bentConnector3">
-                <a:avLst>
-                  <a:gd name="adj1" fmla="val 50000"/>
-                </a:avLst>
-              </a:prstGeom>
-              <a:ln w="38100">
-                <a:solidFill>
-                  <a:schemeClr val="accent6"/>
-                </a:solidFill>
-                <a:headEnd type="none" w="med" len="med"/>
-                <a:tailEnd type="triangle" w="med" len="med"/>
-              </a:ln>
-            </p:spPr>
-            <p:style>
-              <a:lnRef idx="1">
-                <a:schemeClr val="accent1"/>
-              </a:lnRef>
-              <a:fillRef idx="0">
-                <a:schemeClr val="accent1"/>
-              </a:fillRef>
-              <a:effectRef idx="0">
-                <a:schemeClr val="accent1"/>
-              </a:effectRef>
-              <a:fontRef idx="minor">
-                <a:schemeClr val="tx1"/>
-              </a:fontRef>
-            </p:style>
-          </p:cxnSp>
-          <p:cxnSp>
-            <p:nvCxnSpPr>
-              <p:cNvPr id="354" name="Elbow Connector 353"/>
-              <p:cNvCxnSpPr>
-                <a:stCxn id="98" idx="0"/>
-                <a:endCxn id="22" idx="3"/>
-              </p:cNvCxnSpPr>
-              <p:nvPr/>
-            </p:nvCxnSpPr>
-            <p:spPr>
-              <a:xfrm rot="16200000" flipV="1">
-                <a:off x="5704367" y="1694868"/>
-                <a:ext cx="1102209" cy="864743"/>
-              </a:xfrm>
-              <a:prstGeom prst="bentConnector2">
-                <a:avLst/>
-              </a:prstGeom>
-              <a:ln w="38100">
-                <a:solidFill>
-                  <a:schemeClr val="accent4"/>
-                </a:solidFill>
-                <a:headEnd type="none" w="med" len="med"/>
-                <a:tailEnd type="triangle" w="med" len="med"/>
-              </a:ln>
-            </p:spPr>
-            <p:style>
-              <a:lnRef idx="1">
-                <a:schemeClr val="accent1"/>
-              </a:lnRef>
-              <a:fillRef idx="0">
-                <a:schemeClr val="accent1"/>
-              </a:fillRef>
-              <a:effectRef idx="0">
-                <a:schemeClr val="accent1"/>
-              </a:effectRef>
-              <a:fontRef idx="minor">
-                <a:schemeClr val="tx1"/>
-              </a:fontRef>
-            </p:style>
-          </p:cxnSp>
-          <p:cxnSp>
-            <p:nvCxnSpPr>
-              <p:cNvPr id="550" name="Elbow Connector 549"/>
-              <p:cNvCxnSpPr>
-                <a:stCxn id="145" idx="2"/>
-                <a:endCxn id="150" idx="6"/>
-              </p:cNvCxnSpPr>
-              <p:nvPr/>
-            </p:nvCxnSpPr>
-            <p:spPr>
-              <a:xfrm rot="5400000">
-                <a:off x="5334155" y="1459786"/>
-                <a:ext cx="952012" cy="380530"/>
-              </a:xfrm>
-              <a:prstGeom prst="bentConnector2">
-                <a:avLst/>
-              </a:prstGeom>
-              <a:ln>
-                <a:tailEnd type="triangle"/>
-              </a:ln>
-            </p:spPr>
-            <p:style>
-              <a:lnRef idx="1">
-                <a:schemeClr val="accent1"/>
-              </a:lnRef>
-              <a:fillRef idx="0">
-                <a:schemeClr val="accent1"/>
-              </a:fillRef>
-              <a:effectRef idx="0">
-                <a:schemeClr val="accent1"/>
-              </a:effectRef>
-              <a:fontRef idx="minor">
-                <a:schemeClr val="tx1"/>
-              </a:fontRef>
-            </p:style>
-          </p:cxnSp>
-          <p:cxnSp>
-            <p:nvCxnSpPr>
-              <p:cNvPr id="576" name="Elbow Connector 575"/>
-              <p:cNvCxnSpPr>
-                <a:stCxn id="7" idx="2"/>
-                <a:endCxn id="82" idx="2"/>
-              </p:cNvCxnSpPr>
-              <p:nvPr/>
-            </p:nvCxnSpPr>
-            <p:spPr>
-              <a:xfrm rot="16200000" flipH="1">
-                <a:off x="6718312" y="3042082"/>
-                <a:ext cx="455572" cy="2852692"/>
-              </a:xfrm>
-              <a:prstGeom prst="bentConnector2">
-                <a:avLst/>
-              </a:prstGeom>
-              <a:ln w="38100">
-                <a:solidFill>
-                  <a:srgbClr val="00B050"/>
-                </a:solidFill>
-                <a:tailEnd type="triangle"/>
-              </a:ln>
-            </p:spPr>
-            <p:style>
-              <a:lnRef idx="1">
-                <a:schemeClr val="accent1"/>
-              </a:lnRef>
-              <a:fillRef idx="0">
-                <a:schemeClr val="accent1"/>
-              </a:fillRef>
-              <a:effectRef idx="0">
-                <a:schemeClr val="accent1"/>
-              </a:effectRef>
-              <a:fontRef idx="minor">
-                <a:schemeClr val="tx1"/>
-              </a:fontRef>
-            </p:style>
-          </p:cxnSp>
-          <p:cxnSp>
-            <p:nvCxnSpPr>
-              <p:cNvPr id="588" name="Elbow Connector 587"/>
-              <p:cNvCxnSpPr>
-                <a:stCxn id="7" idx="2"/>
-                <a:endCxn id="25" idx="1"/>
-              </p:cNvCxnSpPr>
-              <p:nvPr/>
-            </p:nvCxnSpPr>
-            <p:spPr>
-              <a:xfrm rot="16200000" flipH="1">
-                <a:off x="5872342" y="3888051"/>
-                <a:ext cx="162871" cy="868051"/>
-              </a:xfrm>
-              <a:prstGeom prst="bentConnector2">
-                <a:avLst/>
-              </a:prstGeom>
-              <a:ln w="38100">
-                <a:solidFill>
-                  <a:srgbClr val="C00000"/>
-                </a:solidFill>
-                <a:tailEnd type="triangle"/>
-              </a:ln>
-            </p:spPr>
-            <p:style>
-              <a:lnRef idx="1">
-                <a:schemeClr val="accent1"/>
-              </a:lnRef>
-              <a:fillRef idx="0">
-                <a:schemeClr val="accent1"/>
-              </a:fillRef>
-              <a:effectRef idx="0">
-                <a:schemeClr val="accent1"/>
-              </a:effectRef>
-              <a:fontRef idx="minor">
-                <a:schemeClr val="tx1"/>
-              </a:fontRef>
-            </p:style>
-          </p:cxnSp>
-          <p:cxnSp>
-            <p:nvCxnSpPr>
-              <p:cNvPr id="643" name="Straight Arrow Connector 642"/>
-              <p:cNvCxnSpPr>
-                <a:stCxn id="48" idx="4"/>
-                <a:endCxn id="19" idx="0"/>
-              </p:cNvCxnSpPr>
-              <p:nvPr/>
-            </p:nvCxnSpPr>
-            <p:spPr>
-              <a:xfrm flipH="1">
-                <a:off x="1877914" y="3440617"/>
-                <a:ext cx="11" cy="1438723"/>
-              </a:xfrm>
-              <a:prstGeom prst="straightConnector1">
-                <a:avLst/>
-              </a:prstGeom>
-              <a:ln>
-                <a:tailEnd type="triangle"/>
-              </a:ln>
-            </p:spPr>
-            <p:style>
-              <a:lnRef idx="1">
-                <a:schemeClr val="accent1"/>
-              </a:lnRef>
-              <a:fillRef idx="0">
-                <a:schemeClr val="accent1"/>
-              </a:fillRef>
-              <a:effectRef idx="0">
-                <a:schemeClr val="accent1"/>
-              </a:effectRef>
-              <a:fontRef idx="minor">
-                <a:schemeClr val="tx1"/>
-              </a:fontRef>
-            </p:style>
-          </p:cxnSp>
-          <p:cxnSp>
-            <p:nvCxnSpPr>
-              <p:cNvPr id="652" name="Straight Arrow Connector 651"/>
-              <p:cNvCxnSpPr>
-                <a:stCxn id="127" idx="6"/>
-                <a:endCxn id="32" idx="1"/>
-              </p:cNvCxnSpPr>
-              <p:nvPr/>
-            </p:nvCxnSpPr>
-            <p:spPr>
-              <a:xfrm>
-                <a:off x="8563968" y="1576438"/>
-                <a:ext cx="258517" cy="2646"/>
-              </a:xfrm>
-              <a:prstGeom prst="straightConnector1">
-                <a:avLst/>
-              </a:prstGeom>
-              <a:ln>
-                <a:tailEnd type="triangle"/>
-              </a:ln>
-            </p:spPr>
-            <p:style>
-              <a:lnRef idx="1">
-                <a:schemeClr val="accent1"/>
-              </a:lnRef>
-              <a:fillRef idx="0">
-                <a:schemeClr val="accent1"/>
-              </a:fillRef>
-              <a:effectRef idx="0">
-                <a:schemeClr val="accent1"/>
-              </a:effectRef>
-              <a:fontRef idx="minor">
-                <a:schemeClr val="tx1"/>
-              </a:fontRef>
-            </p:style>
-          </p:cxnSp>
-          <p:cxnSp>
-            <p:nvCxnSpPr>
-              <p:cNvPr id="661" name="Elbow Connector 660"/>
-              <p:cNvCxnSpPr>
-                <a:stCxn id="32" idx="3"/>
-                <a:endCxn id="19" idx="2"/>
-              </p:cNvCxnSpPr>
-              <p:nvPr/>
-            </p:nvCxnSpPr>
-            <p:spPr>
-              <a:xfrm flipH="1">
-                <a:off x="1877914" y="1579084"/>
-                <a:ext cx="7820566" cy="3695389"/>
-              </a:xfrm>
-              <a:prstGeom prst="bentConnector4">
-                <a:avLst>
-                  <a:gd name="adj1" fmla="val -2923"/>
-                  <a:gd name="adj2" fmla="val 124593"/>
-                </a:avLst>
-              </a:prstGeom>
-              <a:ln>
-                <a:tailEnd type="triangle"/>
-              </a:ln>
-            </p:spPr>
-            <p:style>
-              <a:lnRef idx="1">
-                <a:schemeClr val="accent1"/>
-              </a:lnRef>
-              <a:fillRef idx="0">
-                <a:schemeClr val="accent1"/>
-              </a:fillRef>
-              <a:effectRef idx="0">
-                <a:schemeClr val="accent1"/>
-              </a:effectRef>
-              <a:fontRef idx="minor">
-                <a:schemeClr val="tx1"/>
-              </a:fontRef>
-            </p:style>
-          </p:cxnSp>
-          <p:cxnSp>
-            <p:nvCxnSpPr>
-              <p:cNvPr id="670" name="Elbow Connector 669"/>
-              <p:cNvCxnSpPr>
-                <a:stCxn id="23" idx="2"/>
-                <a:endCxn id="24" idx="2"/>
-              </p:cNvCxnSpPr>
-              <p:nvPr/>
-            </p:nvCxnSpPr>
-            <p:spPr>
-              <a:xfrm rot="5400000">
-                <a:off x="7175007" y="3191501"/>
-                <a:ext cx="384642" cy="3789199"/>
-              </a:xfrm>
-              <a:prstGeom prst="bentConnector3">
-                <a:avLst>
-                  <a:gd name="adj1" fmla="val 159432"/>
-                </a:avLst>
-              </a:prstGeom>
-              <a:ln>
-                <a:tailEnd type="triangle"/>
-              </a:ln>
-            </p:spPr>
-            <p:style>
-              <a:lnRef idx="1">
-                <a:schemeClr val="accent1"/>
-              </a:lnRef>
-              <a:fillRef idx="0">
-                <a:schemeClr val="accent1"/>
-              </a:fillRef>
-              <a:effectRef idx="0">
-                <a:schemeClr val="accent1"/>
-              </a:effectRef>
-              <a:fontRef idx="minor">
-                <a:schemeClr val="tx1"/>
-              </a:fontRef>
-            </p:style>
-          </p:cxnSp>
-          <p:cxnSp>
-            <p:nvCxnSpPr>
-              <p:cNvPr id="680" name="Elbow Connector 679"/>
-              <p:cNvCxnSpPr>
-                <a:stCxn id="21" idx="2"/>
-                <a:endCxn id="24" idx="1"/>
-              </p:cNvCxnSpPr>
-              <p:nvPr/>
-            </p:nvCxnSpPr>
-            <p:spPr>
-              <a:xfrm rot="5400000">
-                <a:off x="4716868" y="4324997"/>
-                <a:ext cx="1211680" cy="300036"/>
-              </a:xfrm>
-              <a:prstGeom prst="bentConnector4">
-                <a:avLst>
-                  <a:gd name="adj1" fmla="val 14201"/>
-                  <a:gd name="adj2" fmla="val 176191"/>
-                </a:avLst>
-              </a:prstGeom>
-              <a:ln>
-                <a:tailEnd type="triangle"/>
-              </a:ln>
-            </p:spPr>
-            <p:style>
-              <a:lnRef idx="1">
-                <a:schemeClr val="accent1"/>
-              </a:lnRef>
-              <a:fillRef idx="0">
-                <a:schemeClr val="accent1"/>
-              </a:fillRef>
-              <a:effectRef idx="0">
-                <a:schemeClr val="accent1"/>
-              </a:effectRef>
-              <a:fontRef idx="minor">
-                <a:schemeClr val="tx1"/>
-              </a:fontRef>
-            </p:style>
-          </p:cxnSp>
-          <p:cxnSp>
-            <p:nvCxnSpPr>
-              <p:cNvPr id="37" name="Straight Arrow Connector 36"/>
-              <p:cNvCxnSpPr>
-                <a:stCxn id="2" idx="6"/>
-                <a:endCxn id="22" idx="1"/>
-              </p:cNvCxnSpPr>
-              <p:nvPr/>
-            </p:nvCxnSpPr>
-            <p:spPr>
-              <a:xfrm>
-                <a:off x="1977929" y="1571676"/>
-                <a:ext cx="3194761" cy="4459"/>
-              </a:xfrm>
-              <a:prstGeom prst="straightConnector1">
-                <a:avLst/>
-              </a:prstGeom>
-              <a:ln w="38100">
-                <a:solidFill>
-                  <a:srgbClr val="FF0000"/>
-                </a:solidFill>
-                <a:tailEnd type="triangle"/>
-              </a:ln>
-            </p:spPr>
-            <p:style>
-              <a:lnRef idx="1">
-                <a:schemeClr val="accent1"/>
-              </a:lnRef>
-              <a:fillRef idx="0">
-                <a:schemeClr val="accent1"/>
-              </a:fillRef>
-              <a:effectRef idx="0">
-                <a:schemeClr val="accent1"/>
-              </a:effectRef>
-              <a:fontRef idx="minor">
-                <a:schemeClr val="tx1"/>
-              </a:fontRef>
-            </p:style>
-          </p:cxnSp>
-          <p:cxnSp>
-            <p:nvCxnSpPr>
-              <p:cNvPr id="43" name="Straight Arrow Connector 42"/>
-              <p:cNvCxnSpPr>
-                <a:stCxn id="2" idx="0"/>
-                <a:endCxn id="20" idx="2"/>
-              </p:cNvCxnSpPr>
-              <p:nvPr/>
-            </p:nvCxnSpPr>
-            <p:spPr>
-              <a:xfrm flipH="1" flipV="1">
-                <a:off x="1877915" y="1174045"/>
-                <a:ext cx="2" cy="297618"/>
-              </a:xfrm>
-              <a:prstGeom prst="straightConnector1">
-                <a:avLst/>
-              </a:prstGeom>
-              <a:ln>
-                <a:tailEnd type="triangle"/>
-              </a:ln>
-            </p:spPr>
-            <p:style>
-              <a:lnRef idx="1">
-                <a:schemeClr val="accent1"/>
-              </a:lnRef>
-              <a:fillRef idx="0">
-                <a:schemeClr val="accent1"/>
-              </a:fillRef>
-              <a:effectRef idx="0">
-                <a:schemeClr val="accent1"/>
-              </a:effectRef>
-              <a:fontRef idx="minor">
-                <a:schemeClr val="tx1"/>
-              </a:fontRef>
-            </p:style>
-          </p:cxnSp>
         </p:grpSp>
-        <p:pic>
-          <p:nvPicPr>
-            <p:cNvPr id="7" name="Picture 6"/>
-            <p:cNvPicPr>
-              <a:picLocks noChangeAspect="1"/>
-            </p:cNvPicPr>
-            <p:nvPr/>
-          </p:nvPicPr>
-          <p:blipFill>
-            <a:blip r:embed="rId2" cstate="print">
-              <a:extLst>
-                <a:ext uri="{28A0092B-C50C-407E-A947-70E740481C1C}">
-                  <a14:useLocalDpi xmlns:a14="http://schemas.microsoft.com/office/drawing/2010/main" val="0"/>
-                </a:ext>
-              </a:extLst>
-            </a:blip>
-            <a:stretch>
-              <a:fillRect/>
-            </a:stretch>
-          </p:blipFill>
-          <p:spPr>
-            <a:xfrm>
-              <a:off x="4616817" y="2434772"/>
-              <a:ext cx="1805870" cy="1805870"/>
-            </a:xfrm>
-            <a:prstGeom prst="rect">
-              <a:avLst/>
-            </a:prstGeom>
-          </p:spPr>
-        </p:pic>
         <p:cxnSp>
           <p:nvCxnSpPr>
-            <p:cNvPr id="675" name="Straight Arrow Connector 674"/>
+            <p:cNvPr id="687" name="Elbow Connector 686"/>
             <p:cNvCxnSpPr>
-              <a:stCxn id="22" idx="2"/>
-              <a:endCxn id="150" idx="0"/>
+              <a:stCxn id="80" idx="4"/>
+              <a:endCxn id="24" idx="1"/>
             </p:cNvCxnSpPr>
             <p:nvPr/>
           </p:nvCxnSpPr>
           <p:spPr>
-            <a:xfrm flipH="1">
-              <a:off x="5519884" y="1773701"/>
-              <a:ext cx="3178" cy="252343"/>
+            <a:xfrm rot="16200000" flipH="1">
+              <a:off x="4730289" y="4990792"/>
+              <a:ext cx="431468" cy="453334"/>
             </a:xfrm>
-            <a:prstGeom prst="straightConnector1">
+            <a:prstGeom prst="bentConnector2">
               <a:avLst/>
             </a:prstGeom>
-            <a:ln w="38100">
-              <a:solidFill>
-                <a:srgbClr val="FF0000"/>
-              </a:solidFill>
+            <a:ln>
+              <a:tailEnd type="triangle"/>
+            </a:ln>
+          </p:spPr>
+          <p:style>
+            <a:lnRef idx="1">
+              <a:schemeClr val="accent1"/>
+            </a:lnRef>
+            <a:fillRef idx="0">
+              <a:schemeClr val="accent1"/>
+            </a:fillRef>
+            <a:effectRef idx="0">
+              <a:schemeClr val="accent1"/>
+            </a:effectRef>
+            <a:fontRef idx="minor">
+              <a:schemeClr val="tx1"/>
+            </a:fontRef>
+          </p:style>
+        </p:cxnSp>
+        <p:cxnSp>
+          <p:nvCxnSpPr>
+            <p:cNvPr id="691" name="Elbow Connector 690"/>
+            <p:cNvCxnSpPr>
+              <a:stCxn id="80" idx="2"/>
+              <a:endCxn id="90" idx="0"/>
+            </p:cNvCxnSpPr>
+            <p:nvPr/>
+          </p:nvCxnSpPr>
+          <p:spPr>
+            <a:xfrm rot="10800000" flipV="1">
+              <a:off x="3975613" y="4901713"/>
+              <a:ext cx="643730" cy="336546"/>
+            </a:xfrm>
+            <a:prstGeom prst="bentConnector2">
+              <a:avLst/>
+            </a:prstGeom>
+            <a:ln>
               <a:tailEnd type="triangle"/>
             </a:ln>
           </p:spPr>
